--- a/算法/排序/希尔排序.pptx
+++ b/算法/排序/希尔排序.pptx
@@ -6,6 +6,8 @@
   </p:sldMasterIdLst>
   <p:sldIdLst>
     <p:sldId id="256" r:id="rId2"/>
+    <p:sldId id="257" r:id="rId3"/>
+    <p:sldId id="258" r:id="rId4"/>
   </p:sldIdLst>
   <p:sldSz cx="12192000" cy="6858000"/>
   <p:notesSz cx="6858000" cy="9144000"/>
@@ -3323,51 +3325,529 @@
       </p:grpSpPr>
       <p:sp>
         <p:nvSpPr>
-          <p:cNvPr id="2" name="标题 1">
-            <a:extLst>
-              <a:ext uri="{FF2B5EF4-FFF2-40B4-BE49-F238E27FC236}">
-                <a16:creationId xmlns:a16="http://schemas.microsoft.com/office/drawing/2014/main" id="{79D35AEA-C2F1-E643-B6D6-C2566771FC18}"/>
-              </a:ext>
-            </a:extLst>
-          </p:cNvPr>
-          <p:cNvSpPr>
-            <a:spLocks noGrp="1"/>
-          </p:cNvSpPr>
-          <p:nvPr>
-            <p:ph type="ctrTitle"/>
-          </p:nvPr>
-        </p:nvSpPr>
-        <p:spPr/>
-        <p:txBody>
-          <a:bodyPr/>
-          <a:lstStyle/>
-          <a:p>
-            <a:endParaRPr kumimoji="1" lang="zh-CN" altLang="en-US"/>
-          </a:p>
-        </p:txBody>
-      </p:sp>
-      <p:sp>
-        <p:nvSpPr>
-          <p:cNvPr id="3" name="副标题 2">
-            <a:extLst>
-              <a:ext uri="{FF2B5EF4-FFF2-40B4-BE49-F238E27FC236}">
-                <a16:creationId xmlns:a16="http://schemas.microsoft.com/office/drawing/2014/main" id="{2AB7D405-CE41-2541-9839-415857407328}"/>
-              </a:ext>
-            </a:extLst>
-          </p:cNvPr>
-          <p:cNvSpPr>
-            <a:spLocks noGrp="1"/>
-          </p:cNvSpPr>
-          <p:nvPr>
-            <p:ph type="subTitle" idx="1"/>
-          </p:nvPr>
-        </p:nvSpPr>
-        <p:spPr/>
-        <p:txBody>
-          <a:bodyPr/>
-          <a:lstStyle/>
-          <a:p>
-            <a:endParaRPr kumimoji="1" lang="zh-CN" altLang="en-US"/>
+          <p:cNvPr id="5" name="矩形 4">
+            <a:extLst>
+              <a:ext uri="{FF2B5EF4-FFF2-40B4-BE49-F238E27FC236}">
+                <a16:creationId xmlns:a16="http://schemas.microsoft.com/office/drawing/2014/main" id="{B07BC9ED-F135-D247-952D-A7B6FE2F81C4}"/>
+              </a:ext>
+            </a:extLst>
+          </p:cNvPr>
+          <p:cNvSpPr/>
+          <p:nvPr/>
+        </p:nvSpPr>
+        <p:spPr>
+          <a:xfrm>
+            <a:off x="4004237" y="4805083"/>
+            <a:ext cx="600635" cy="1380564"/>
+          </a:xfrm>
+          <a:prstGeom prst="rect">
+            <a:avLst/>
+          </a:prstGeom>
+          <a:solidFill>
+            <a:srgbClr val="DBE9FD"/>
+          </a:solidFill>
+          <a:ln w="19050">
+            <a:solidFill>
+              <a:srgbClr val="6C8EBF"/>
+            </a:solidFill>
+          </a:ln>
+        </p:spPr>
+        <p:style>
+          <a:lnRef idx="2">
+            <a:schemeClr val="accent1">
+              <a:shade val="50000"/>
+            </a:schemeClr>
+          </a:lnRef>
+          <a:fillRef idx="1">
+            <a:schemeClr val="accent1"/>
+          </a:fillRef>
+          <a:effectRef idx="0">
+            <a:schemeClr val="accent1"/>
+          </a:effectRef>
+          <a:fontRef idx="minor">
+            <a:schemeClr val="lt1"/>
+          </a:fontRef>
+        </p:style>
+        <p:txBody>
+          <a:bodyPr rtlCol="0" anchor="ctr"/>
+          <a:lstStyle/>
+          <a:p>
+            <a:pPr algn="ctr"/>
+            <a:r>
+              <a:rPr kumimoji="1" lang="en-US" altLang="zh-CN" dirty="0">
+                <a:solidFill>
+                  <a:schemeClr val="tx1"/>
+                </a:solidFill>
+              </a:rPr>
+              <a:t>3</a:t>
+            </a:r>
+            <a:endParaRPr kumimoji="1" lang="zh-CN" altLang="en-US" dirty="0">
+              <a:solidFill>
+                <a:schemeClr val="tx1"/>
+              </a:solidFill>
+            </a:endParaRPr>
+          </a:p>
+        </p:txBody>
+      </p:sp>
+      <p:sp>
+        <p:nvSpPr>
+          <p:cNvPr id="6" name="矩形 5">
+            <a:extLst>
+              <a:ext uri="{FF2B5EF4-FFF2-40B4-BE49-F238E27FC236}">
+                <a16:creationId xmlns:a16="http://schemas.microsoft.com/office/drawing/2014/main" id="{48577139-A61D-7D43-97A8-64011985115F}"/>
+              </a:ext>
+            </a:extLst>
+          </p:cNvPr>
+          <p:cNvSpPr/>
+          <p:nvPr/>
+        </p:nvSpPr>
+        <p:spPr>
+          <a:xfrm>
+            <a:off x="5127814" y="4356847"/>
+            <a:ext cx="600635" cy="1828799"/>
+          </a:xfrm>
+          <a:prstGeom prst="rect">
+            <a:avLst/>
+          </a:prstGeom>
+          <a:solidFill>
+            <a:srgbClr val="DBE9FD"/>
+          </a:solidFill>
+          <a:ln w="19050">
+            <a:solidFill>
+              <a:srgbClr val="6C8EBF"/>
+            </a:solidFill>
+          </a:ln>
+        </p:spPr>
+        <p:style>
+          <a:lnRef idx="2">
+            <a:schemeClr val="accent1">
+              <a:shade val="50000"/>
+            </a:schemeClr>
+          </a:lnRef>
+          <a:fillRef idx="1">
+            <a:schemeClr val="accent1"/>
+          </a:fillRef>
+          <a:effectRef idx="0">
+            <a:schemeClr val="accent1"/>
+          </a:effectRef>
+          <a:fontRef idx="minor">
+            <a:schemeClr val="lt1"/>
+          </a:fontRef>
+        </p:style>
+        <p:txBody>
+          <a:bodyPr rtlCol="0" anchor="ctr"/>
+          <a:lstStyle/>
+          <a:p>
+            <a:pPr algn="ctr"/>
+            <a:r>
+              <a:rPr kumimoji="1" lang="en-US" altLang="zh-CN" dirty="0">
+                <a:solidFill>
+                  <a:schemeClr val="tx1"/>
+                </a:solidFill>
+              </a:rPr>
+              <a:t>4</a:t>
+            </a:r>
+            <a:endParaRPr kumimoji="1" lang="zh-CN" altLang="en-US" dirty="0">
+              <a:solidFill>
+                <a:schemeClr val="tx1"/>
+              </a:solidFill>
+            </a:endParaRPr>
+          </a:p>
+        </p:txBody>
+      </p:sp>
+      <p:sp>
+        <p:nvSpPr>
+          <p:cNvPr id="9" name="矩形 8">
+            <a:extLst>
+              <a:ext uri="{FF2B5EF4-FFF2-40B4-BE49-F238E27FC236}">
+                <a16:creationId xmlns:a16="http://schemas.microsoft.com/office/drawing/2014/main" id="{59A4F5B0-1997-954E-B46C-1A54B42ED514}"/>
+              </a:ext>
+            </a:extLst>
+          </p:cNvPr>
+          <p:cNvSpPr/>
+          <p:nvPr/>
+        </p:nvSpPr>
+        <p:spPr>
+          <a:xfrm>
+            <a:off x="8498542" y="2465294"/>
+            <a:ext cx="600635" cy="3720352"/>
+          </a:xfrm>
+          <a:prstGeom prst="rect">
+            <a:avLst/>
+          </a:prstGeom>
+          <a:solidFill>
+            <a:srgbClr val="DBE9FD"/>
+          </a:solidFill>
+          <a:ln w="19050">
+            <a:solidFill>
+              <a:srgbClr val="6C8EBF"/>
+            </a:solidFill>
+          </a:ln>
+        </p:spPr>
+        <p:style>
+          <a:lnRef idx="2">
+            <a:schemeClr val="accent1">
+              <a:shade val="50000"/>
+            </a:schemeClr>
+          </a:lnRef>
+          <a:fillRef idx="1">
+            <a:schemeClr val="accent1"/>
+          </a:fillRef>
+          <a:effectRef idx="0">
+            <a:schemeClr val="accent1"/>
+          </a:effectRef>
+          <a:fontRef idx="minor">
+            <a:schemeClr val="lt1"/>
+          </a:fontRef>
+        </p:style>
+        <p:txBody>
+          <a:bodyPr rtlCol="0" anchor="ctr"/>
+          <a:lstStyle/>
+          <a:p>
+            <a:pPr algn="ctr"/>
+            <a:r>
+              <a:rPr kumimoji="1" lang="en-US" altLang="zh-CN" dirty="0">
+                <a:solidFill>
+                  <a:schemeClr val="tx1"/>
+                </a:solidFill>
+              </a:rPr>
+              <a:t>9</a:t>
+            </a:r>
+            <a:endParaRPr kumimoji="1" lang="zh-CN" altLang="en-US" dirty="0">
+              <a:solidFill>
+                <a:schemeClr val="tx1"/>
+              </a:solidFill>
+            </a:endParaRPr>
+          </a:p>
+        </p:txBody>
+      </p:sp>
+      <p:sp>
+        <p:nvSpPr>
+          <p:cNvPr id="10" name="矩形 9">
+            <a:extLst>
+              <a:ext uri="{FF2B5EF4-FFF2-40B4-BE49-F238E27FC236}">
+                <a16:creationId xmlns:a16="http://schemas.microsoft.com/office/drawing/2014/main" id="{6812B9DA-91DC-C34D-B4D5-DDA5DA08FE2C}"/>
+              </a:ext>
+            </a:extLst>
+          </p:cNvPr>
+          <p:cNvSpPr/>
+          <p:nvPr/>
+        </p:nvSpPr>
+        <p:spPr>
+          <a:xfrm>
+            <a:off x="9622116" y="2985247"/>
+            <a:ext cx="600635" cy="3200400"/>
+          </a:xfrm>
+          <a:prstGeom prst="rect">
+            <a:avLst/>
+          </a:prstGeom>
+          <a:solidFill>
+            <a:srgbClr val="DBE9FD"/>
+          </a:solidFill>
+          <a:ln w="19050">
+            <a:solidFill>
+              <a:srgbClr val="6C8EBF"/>
+            </a:solidFill>
+          </a:ln>
+        </p:spPr>
+        <p:style>
+          <a:lnRef idx="2">
+            <a:schemeClr val="accent1">
+              <a:shade val="50000"/>
+            </a:schemeClr>
+          </a:lnRef>
+          <a:fillRef idx="1">
+            <a:schemeClr val="accent1"/>
+          </a:fillRef>
+          <a:effectRef idx="0">
+            <a:schemeClr val="accent1"/>
+          </a:effectRef>
+          <a:fontRef idx="minor">
+            <a:schemeClr val="lt1"/>
+          </a:fontRef>
+        </p:style>
+        <p:txBody>
+          <a:bodyPr rtlCol="0" anchor="ctr"/>
+          <a:lstStyle/>
+          <a:p>
+            <a:pPr algn="ctr"/>
+            <a:r>
+              <a:rPr kumimoji="1" lang="en-US" altLang="zh-CN" dirty="0">
+                <a:solidFill>
+                  <a:schemeClr val="tx1"/>
+                </a:solidFill>
+              </a:rPr>
+              <a:t>8</a:t>
+            </a:r>
+            <a:endParaRPr kumimoji="1" lang="zh-CN" altLang="en-US" dirty="0">
+              <a:solidFill>
+                <a:schemeClr val="tx1"/>
+              </a:solidFill>
+            </a:endParaRPr>
+          </a:p>
+        </p:txBody>
+      </p:sp>
+      <p:sp>
+        <p:nvSpPr>
+          <p:cNvPr id="11" name="矩形 10">
+            <a:extLst>
+              <a:ext uri="{FF2B5EF4-FFF2-40B4-BE49-F238E27FC236}">
+                <a16:creationId xmlns:a16="http://schemas.microsoft.com/office/drawing/2014/main" id="{704900AC-5E61-8244-9381-82FD66101EE6}"/>
+              </a:ext>
+            </a:extLst>
+          </p:cNvPr>
+          <p:cNvSpPr/>
+          <p:nvPr/>
+        </p:nvSpPr>
+        <p:spPr>
+          <a:xfrm>
+            <a:off x="1757083" y="5190563"/>
+            <a:ext cx="600635" cy="995083"/>
+          </a:xfrm>
+          <a:prstGeom prst="rect">
+            <a:avLst/>
+          </a:prstGeom>
+          <a:solidFill>
+            <a:srgbClr val="DBE9FD"/>
+          </a:solidFill>
+          <a:ln w="19050">
+            <a:solidFill>
+              <a:srgbClr val="6C8EBF"/>
+            </a:solidFill>
+          </a:ln>
+        </p:spPr>
+        <p:style>
+          <a:lnRef idx="2">
+            <a:schemeClr val="accent1">
+              <a:shade val="50000"/>
+            </a:schemeClr>
+          </a:lnRef>
+          <a:fillRef idx="1">
+            <a:schemeClr val="accent1"/>
+          </a:fillRef>
+          <a:effectRef idx="0">
+            <a:schemeClr val="accent1"/>
+          </a:effectRef>
+          <a:fontRef idx="minor">
+            <a:schemeClr val="lt1"/>
+          </a:fontRef>
+        </p:style>
+        <p:txBody>
+          <a:bodyPr rtlCol="0" anchor="ctr"/>
+          <a:lstStyle/>
+          <a:p>
+            <a:pPr algn="ctr"/>
+            <a:r>
+              <a:rPr kumimoji="1" lang="en-US" altLang="zh-CN" dirty="0">
+                <a:solidFill>
+                  <a:schemeClr val="tx1"/>
+                </a:solidFill>
+              </a:rPr>
+              <a:t>2</a:t>
+            </a:r>
+            <a:endParaRPr kumimoji="1" lang="zh-CN" altLang="en-US" dirty="0">
+              <a:solidFill>
+                <a:schemeClr val="tx1"/>
+              </a:solidFill>
+            </a:endParaRPr>
+          </a:p>
+        </p:txBody>
+      </p:sp>
+      <p:sp>
+        <p:nvSpPr>
+          <p:cNvPr id="4" name="矩形 3">
+            <a:extLst>
+              <a:ext uri="{FF2B5EF4-FFF2-40B4-BE49-F238E27FC236}">
+                <a16:creationId xmlns:a16="http://schemas.microsoft.com/office/drawing/2014/main" id="{49F75422-CA6D-F744-9517-A85CD891A33E}"/>
+              </a:ext>
+            </a:extLst>
+          </p:cNvPr>
+          <p:cNvSpPr/>
+          <p:nvPr/>
+        </p:nvSpPr>
+        <p:spPr>
+          <a:xfrm>
+            <a:off x="2880660" y="3429001"/>
+            <a:ext cx="600635" cy="2756646"/>
+          </a:xfrm>
+          <a:prstGeom prst="rect">
+            <a:avLst/>
+          </a:prstGeom>
+          <a:solidFill>
+            <a:srgbClr val="DBE9FD"/>
+          </a:solidFill>
+          <a:ln w="19050">
+            <a:solidFill>
+              <a:srgbClr val="6C8EBF"/>
+            </a:solidFill>
+          </a:ln>
+        </p:spPr>
+        <p:style>
+          <a:lnRef idx="2">
+            <a:schemeClr val="accent1">
+              <a:shade val="50000"/>
+            </a:schemeClr>
+          </a:lnRef>
+          <a:fillRef idx="1">
+            <a:schemeClr val="accent1"/>
+          </a:fillRef>
+          <a:effectRef idx="0">
+            <a:schemeClr val="accent1"/>
+          </a:effectRef>
+          <a:fontRef idx="minor">
+            <a:schemeClr val="lt1"/>
+          </a:fontRef>
+        </p:style>
+        <p:txBody>
+          <a:bodyPr rtlCol="0" anchor="ctr"/>
+          <a:lstStyle/>
+          <a:p>
+            <a:pPr algn="ctr"/>
+            <a:r>
+              <a:rPr kumimoji="1" lang="en-US" altLang="zh-CN" dirty="0">
+                <a:solidFill>
+                  <a:schemeClr val="tx1"/>
+                </a:solidFill>
+              </a:rPr>
+              <a:t>6</a:t>
+            </a:r>
+            <a:endParaRPr kumimoji="1" lang="zh-CN" altLang="en-US" dirty="0">
+              <a:solidFill>
+                <a:schemeClr val="tx1"/>
+              </a:solidFill>
+            </a:endParaRPr>
+          </a:p>
+        </p:txBody>
+      </p:sp>
+      <p:sp>
+        <p:nvSpPr>
+          <p:cNvPr id="8" name="矩形 7">
+            <a:extLst>
+              <a:ext uri="{FF2B5EF4-FFF2-40B4-BE49-F238E27FC236}">
+                <a16:creationId xmlns:a16="http://schemas.microsoft.com/office/drawing/2014/main" id="{2BA4C5BF-11D7-6E4B-873D-AC5F6CD48BB4}"/>
+              </a:ext>
+            </a:extLst>
+          </p:cNvPr>
+          <p:cNvSpPr/>
+          <p:nvPr/>
+        </p:nvSpPr>
+        <p:spPr>
+          <a:xfrm>
+            <a:off x="7374968" y="3872753"/>
+            <a:ext cx="600635" cy="2312893"/>
+          </a:xfrm>
+          <a:prstGeom prst="rect">
+            <a:avLst/>
+          </a:prstGeom>
+          <a:solidFill>
+            <a:srgbClr val="DBE9FD"/>
+          </a:solidFill>
+          <a:ln w="19050">
+            <a:solidFill>
+              <a:srgbClr val="6C8EBF"/>
+            </a:solidFill>
+          </a:ln>
+        </p:spPr>
+        <p:style>
+          <a:lnRef idx="2">
+            <a:schemeClr val="accent1">
+              <a:shade val="50000"/>
+            </a:schemeClr>
+          </a:lnRef>
+          <a:fillRef idx="1">
+            <a:schemeClr val="accent1"/>
+          </a:fillRef>
+          <a:effectRef idx="0">
+            <a:schemeClr val="accent1"/>
+          </a:effectRef>
+          <a:fontRef idx="minor">
+            <a:schemeClr val="lt1"/>
+          </a:fontRef>
+        </p:style>
+        <p:txBody>
+          <a:bodyPr rtlCol="0" anchor="ctr"/>
+          <a:lstStyle/>
+          <a:p>
+            <a:pPr algn="ctr"/>
+            <a:r>
+              <a:rPr kumimoji="1" lang="en-US" altLang="zh-CN" dirty="0">
+                <a:solidFill>
+                  <a:schemeClr val="tx1"/>
+                </a:solidFill>
+              </a:rPr>
+              <a:t>5</a:t>
+            </a:r>
+            <a:endParaRPr kumimoji="1" lang="zh-CN" altLang="en-US" dirty="0">
+              <a:solidFill>
+                <a:schemeClr val="tx1"/>
+              </a:solidFill>
+            </a:endParaRPr>
+          </a:p>
+        </p:txBody>
+      </p:sp>
+      <p:sp>
+        <p:nvSpPr>
+          <p:cNvPr id="7" name="矩形 6">
+            <a:extLst>
+              <a:ext uri="{FF2B5EF4-FFF2-40B4-BE49-F238E27FC236}">
+                <a16:creationId xmlns:a16="http://schemas.microsoft.com/office/drawing/2014/main" id="{13658B0D-38D6-ED45-A516-BDE6A9013293}"/>
+              </a:ext>
+            </a:extLst>
+          </p:cNvPr>
+          <p:cNvSpPr/>
+          <p:nvPr/>
+        </p:nvSpPr>
+        <p:spPr>
+          <a:xfrm>
+            <a:off x="6251391" y="5576047"/>
+            <a:ext cx="600635" cy="609599"/>
+          </a:xfrm>
+          <a:prstGeom prst="rect">
+            <a:avLst/>
+          </a:prstGeom>
+          <a:solidFill>
+            <a:srgbClr val="DBE9FD"/>
+          </a:solidFill>
+          <a:ln w="19050">
+            <a:solidFill>
+              <a:srgbClr val="6C8EBF"/>
+            </a:solidFill>
+          </a:ln>
+        </p:spPr>
+        <p:style>
+          <a:lnRef idx="2">
+            <a:schemeClr val="accent1">
+              <a:shade val="50000"/>
+            </a:schemeClr>
+          </a:lnRef>
+          <a:fillRef idx="1">
+            <a:schemeClr val="accent1"/>
+          </a:fillRef>
+          <a:effectRef idx="0">
+            <a:schemeClr val="accent1"/>
+          </a:effectRef>
+          <a:fontRef idx="minor">
+            <a:schemeClr val="lt1"/>
+          </a:fontRef>
+        </p:style>
+        <p:txBody>
+          <a:bodyPr rtlCol="0" anchor="ctr"/>
+          <a:lstStyle/>
+          <a:p>
+            <a:pPr algn="ctr"/>
+            <a:r>
+              <a:rPr kumimoji="1" lang="en-US" altLang="zh-CN" dirty="0">
+                <a:solidFill>
+                  <a:schemeClr val="tx1"/>
+                </a:solidFill>
+              </a:rPr>
+              <a:t>1</a:t>
+            </a:r>
+            <a:endParaRPr kumimoji="1" lang="zh-CN" altLang="en-US" dirty="0">
+              <a:solidFill>
+                <a:schemeClr val="tx1"/>
+              </a:solidFill>
+            </a:endParaRPr>
           </a:p>
         </p:txBody>
       </p:sp>
@@ -3381,6 +3861,2861 @@
   <p:clrMapOvr>
     <a:masterClrMapping/>
   </p:clrMapOvr>
+  <p:timing>
+    <p:tnLst>
+      <p:par>
+        <p:cTn id="1" dur="indefinite" restart="never" nodeType="tmRoot">
+          <p:childTnLst>
+            <p:seq concurrent="1" nextAc="seek">
+              <p:cTn id="2" dur="indefinite" nodeType="mainSeq">
+                <p:childTnLst>
+                  <p:par>
+                    <p:cTn id="3" fill="hold">
+                      <p:stCondLst>
+                        <p:cond delay="indefinite"/>
+                      </p:stCondLst>
+                      <p:childTnLst>
+                        <p:par>
+                          <p:cTn id="4" fill="hold">
+                            <p:stCondLst>
+                              <p:cond delay="0"/>
+                            </p:stCondLst>
+                            <p:childTnLst>
+                              <p:par>
+                                <p:cTn id="5" presetID="1" presetClass="emph" presetSubtype="2" fill="hold" nodeType="clickEffect">
+                                  <p:stCondLst>
+                                    <p:cond delay="0"/>
+                                  </p:stCondLst>
+                                  <p:childTnLst>
+                                    <p:animClr clrSpc="rgb" dir="cw">
+                                      <p:cBhvr>
+                                        <p:cTn id="6" dur="1500" fill="hold"/>
+                                        <p:tgtEl>
+                                          <p:spTgt spid="4"/>
+                                        </p:tgtEl>
+                                        <p:attrNameLst>
+                                          <p:attrName>fillcolor</p:attrName>
+                                        </p:attrNameLst>
+                                      </p:cBhvr>
+                                      <p:to>
+                                        <a:srgbClr val="FFF2CD"/>
+                                      </p:to>
+                                    </p:animClr>
+                                    <p:set>
+                                      <p:cBhvr>
+                                        <p:cTn id="7" dur="1500" fill="hold"/>
+                                        <p:tgtEl>
+                                          <p:spTgt spid="4"/>
+                                        </p:tgtEl>
+                                        <p:attrNameLst>
+                                          <p:attrName>fill.type</p:attrName>
+                                        </p:attrNameLst>
+                                      </p:cBhvr>
+                                      <p:to>
+                                        <p:strVal val="solid"/>
+                                      </p:to>
+                                    </p:set>
+                                    <p:set>
+                                      <p:cBhvr>
+                                        <p:cTn id="8" dur="1500" fill="hold"/>
+                                        <p:tgtEl>
+                                          <p:spTgt spid="4"/>
+                                        </p:tgtEl>
+                                        <p:attrNameLst>
+                                          <p:attrName>fill.on</p:attrName>
+                                        </p:attrNameLst>
+                                      </p:cBhvr>
+                                      <p:to>
+                                        <p:strVal val="true"/>
+                                      </p:to>
+                                    </p:set>
+                                  </p:childTnLst>
+                                </p:cTn>
+                              </p:par>
+                              <p:par>
+                                <p:cTn id="9" presetID="1" presetClass="emph" presetSubtype="2" fill="hold" nodeType="withEffect">
+                                  <p:stCondLst>
+                                    <p:cond delay="0"/>
+                                  </p:stCondLst>
+                                  <p:childTnLst>
+                                    <p:animClr clrSpc="rgb" dir="cw">
+                                      <p:cBhvr>
+                                        <p:cTn id="10" dur="1500" fill="hold"/>
+                                        <p:tgtEl>
+                                          <p:spTgt spid="5"/>
+                                        </p:tgtEl>
+                                        <p:attrNameLst>
+                                          <p:attrName>fillcolor</p:attrName>
+                                        </p:attrNameLst>
+                                      </p:cBhvr>
+                                      <p:to>
+                                        <a:srgbClr val="F8CECC"/>
+                                      </p:to>
+                                    </p:animClr>
+                                    <p:set>
+                                      <p:cBhvr>
+                                        <p:cTn id="11" dur="1500" fill="hold"/>
+                                        <p:tgtEl>
+                                          <p:spTgt spid="5"/>
+                                        </p:tgtEl>
+                                        <p:attrNameLst>
+                                          <p:attrName>fill.type</p:attrName>
+                                        </p:attrNameLst>
+                                      </p:cBhvr>
+                                      <p:to>
+                                        <p:strVal val="solid"/>
+                                      </p:to>
+                                    </p:set>
+                                    <p:set>
+                                      <p:cBhvr>
+                                        <p:cTn id="12" dur="1500" fill="hold"/>
+                                        <p:tgtEl>
+                                          <p:spTgt spid="5"/>
+                                        </p:tgtEl>
+                                        <p:attrNameLst>
+                                          <p:attrName>fill.on</p:attrName>
+                                        </p:attrNameLst>
+                                      </p:cBhvr>
+                                      <p:to>
+                                        <p:strVal val="true"/>
+                                      </p:to>
+                                    </p:set>
+                                  </p:childTnLst>
+                                </p:cTn>
+                              </p:par>
+                              <p:par>
+                                <p:cTn id="13" presetID="1" presetClass="emph" presetSubtype="2" fill="hold" nodeType="withEffect">
+                                  <p:stCondLst>
+                                    <p:cond delay="0"/>
+                                  </p:stCondLst>
+                                  <p:childTnLst>
+                                    <p:animClr clrSpc="rgb" dir="cw">
+                                      <p:cBhvr>
+                                        <p:cTn id="14" dur="1500" fill="hold"/>
+                                        <p:tgtEl>
+                                          <p:spTgt spid="6"/>
+                                        </p:tgtEl>
+                                        <p:attrNameLst>
+                                          <p:attrName>fillcolor</p:attrName>
+                                        </p:attrNameLst>
+                                      </p:cBhvr>
+                                      <p:to>
+                                        <a:srgbClr val="E2D5E8"/>
+                                      </p:to>
+                                    </p:animClr>
+                                    <p:set>
+                                      <p:cBhvr>
+                                        <p:cTn id="15" dur="1500" fill="hold"/>
+                                        <p:tgtEl>
+                                          <p:spTgt spid="6"/>
+                                        </p:tgtEl>
+                                        <p:attrNameLst>
+                                          <p:attrName>fill.type</p:attrName>
+                                        </p:attrNameLst>
+                                      </p:cBhvr>
+                                      <p:to>
+                                        <p:strVal val="solid"/>
+                                      </p:to>
+                                    </p:set>
+                                    <p:set>
+                                      <p:cBhvr>
+                                        <p:cTn id="16" dur="1500" fill="hold"/>
+                                        <p:tgtEl>
+                                          <p:spTgt spid="6"/>
+                                        </p:tgtEl>
+                                        <p:attrNameLst>
+                                          <p:attrName>fill.on</p:attrName>
+                                        </p:attrNameLst>
+                                      </p:cBhvr>
+                                      <p:to>
+                                        <p:strVal val="true"/>
+                                      </p:to>
+                                    </p:set>
+                                  </p:childTnLst>
+                                </p:cTn>
+                              </p:par>
+                              <p:par>
+                                <p:cTn id="17" presetID="1" presetClass="emph" presetSubtype="2" fill="hold" nodeType="withEffect">
+                                  <p:stCondLst>
+                                    <p:cond delay="0"/>
+                                  </p:stCondLst>
+                                  <p:childTnLst>
+                                    <p:animClr clrSpc="rgb" dir="cw">
+                                      <p:cBhvr>
+                                        <p:cTn id="18" dur="1500" fill="hold"/>
+                                        <p:tgtEl>
+                                          <p:spTgt spid="7"/>
+                                        </p:tgtEl>
+                                        <p:attrNameLst>
+                                          <p:attrName>fillcolor</p:attrName>
+                                        </p:attrNameLst>
+                                      </p:cBhvr>
+                                      <p:to>
+                                        <a:srgbClr val="FEE7CC"/>
+                                      </p:to>
+                                    </p:animClr>
+                                    <p:set>
+                                      <p:cBhvr>
+                                        <p:cTn id="19" dur="1500" fill="hold"/>
+                                        <p:tgtEl>
+                                          <p:spTgt spid="7"/>
+                                        </p:tgtEl>
+                                        <p:attrNameLst>
+                                          <p:attrName>fill.type</p:attrName>
+                                        </p:attrNameLst>
+                                      </p:cBhvr>
+                                      <p:to>
+                                        <p:strVal val="solid"/>
+                                      </p:to>
+                                    </p:set>
+                                    <p:set>
+                                      <p:cBhvr>
+                                        <p:cTn id="20" dur="1500" fill="hold"/>
+                                        <p:tgtEl>
+                                          <p:spTgt spid="7"/>
+                                        </p:tgtEl>
+                                        <p:attrNameLst>
+                                          <p:attrName>fill.on</p:attrName>
+                                        </p:attrNameLst>
+                                      </p:cBhvr>
+                                      <p:to>
+                                        <p:strVal val="true"/>
+                                      </p:to>
+                                    </p:set>
+                                  </p:childTnLst>
+                                </p:cTn>
+                              </p:par>
+                              <p:par>
+                                <p:cTn id="21" presetID="1" presetClass="emph" presetSubtype="2" fill="hold" nodeType="withEffect">
+                                  <p:stCondLst>
+                                    <p:cond delay="0"/>
+                                  </p:stCondLst>
+                                  <p:childTnLst>
+                                    <p:animClr clrSpc="rgb" dir="cw">
+                                      <p:cBhvr>
+                                        <p:cTn id="22" dur="1500" fill="hold"/>
+                                        <p:tgtEl>
+                                          <p:spTgt spid="8"/>
+                                        </p:tgtEl>
+                                        <p:attrNameLst>
+                                          <p:attrName>fillcolor</p:attrName>
+                                        </p:attrNameLst>
+                                      </p:cBhvr>
+                                      <p:to>
+                                        <a:srgbClr val="FFF2CD"/>
+                                      </p:to>
+                                    </p:animClr>
+                                    <p:set>
+                                      <p:cBhvr>
+                                        <p:cTn id="23" dur="1500" fill="hold"/>
+                                        <p:tgtEl>
+                                          <p:spTgt spid="8"/>
+                                        </p:tgtEl>
+                                        <p:attrNameLst>
+                                          <p:attrName>fill.type</p:attrName>
+                                        </p:attrNameLst>
+                                      </p:cBhvr>
+                                      <p:to>
+                                        <p:strVal val="solid"/>
+                                      </p:to>
+                                    </p:set>
+                                    <p:set>
+                                      <p:cBhvr>
+                                        <p:cTn id="24" dur="1500" fill="hold"/>
+                                        <p:tgtEl>
+                                          <p:spTgt spid="8"/>
+                                        </p:tgtEl>
+                                        <p:attrNameLst>
+                                          <p:attrName>fill.on</p:attrName>
+                                        </p:attrNameLst>
+                                      </p:cBhvr>
+                                      <p:to>
+                                        <p:strVal val="true"/>
+                                      </p:to>
+                                    </p:set>
+                                  </p:childTnLst>
+                                </p:cTn>
+                              </p:par>
+                              <p:par>
+                                <p:cTn id="25" presetID="1" presetClass="emph" presetSubtype="2" fill="hold" nodeType="withEffect">
+                                  <p:stCondLst>
+                                    <p:cond delay="0"/>
+                                  </p:stCondLst>
+                                  <p:childTnLst>
+                                    <p:animClr clrSpc="rgb" dir="cw">
+                                      <p:cBhvr>
+                                        <p:cTn id="26" dur="1500" fill="hold"/>
+                                        <p:tgtEl>
+                                          <p:spTgt spid="9"/>
+                                        </p:tgtEl>
+                                        <p:attrNameLst>
+                                          <p:attrName>fillcolor</p:attrName>
+                                        </p:attrNameLst>
+                                      </p:cBhvr>
+                                      <p:to>
+                                        <a:srgbClr val="F8CECC"/>
+                                      </p:to>
+                                    </p:animClr>
+                                    <p:set>
+                                      <p:cBhvr>
+                                        <p:cTn id="27" dur="1500" fill="hold"/>
+                                        <p:tgtEl>
+                                          <p:spTgt spid="9"/>
+                                        </p:tgtEl>
+                                        <p:attrNameLst>
+                                          <p:attrName>fill.type</p:attrName>
+                                        </p:attrNameLst>
+                                      </p:cBhvr>
+                                      <p:to>
+                                        <p:strVal val="solid"/>
+                                      </p:to>
+                                    </p:set>
+                                    <p:set>
+                                      <p:cBhvr>
+                                        <p:cTn id="28" dur="1500" fill="hold"/>
+                                        <p:tgtEl>
+                                          <p:spTgt spid="9"/>
+                                        </p:tgtEl>
+                                        <p:attrNameLst>
+                                          <p:attrName>fill.on</p:attrName>
+                                        </p:attrNameLst>
+                                      </p:cBhvr>
+                                      <p:to>
+                                        <p:strVal val="true"/>
+                                      </p:to>
+                                    </p:set>
+                                  </p:childTnLst>
+                                </p:cTn>
+                              </p:par>
+                              <p:par>
+                                <p:cTn id="29" presetID="1" presetClass="emph" presetSubtype="2" fill="hold" nodeType="withEffect">
+                                  <p:stCondLst>
+                                    <p:cond delay="0"/>
+                                  </p:stCondLst>
+                                  <p:childTnLst>
+                                    <p:animClr clrSpc="rgb" dir="cw">
+                                      <p:cBhvr>
+                                        <p:cTn id="30" dur="1500" fill="hold"/>
+                                        <p:tgtEl>
+                                          <p:spTgt spid="10"/>
+                                        </p:tgtEl>
+                                        <p:attrNameLst>
+                                          <p:attrName>fillcolor</p:attrName>
+                                        </p:attrNameLst>
+                                      </p:cBhvr>
+                                      <p:to>
+                                        <a:srgbClr val="E2D5E8"/>
+                                      </p:to>
+                                    </p:animClr>
+                                    <p:set>
+                                      <p:cBhvr>
+                                        <p:cTn id="31" dur="1500" fill="hold"/>
+                                        <p:tgtEl>
+                                          <p:spTgt spid="10"/>
+                                        </p:tgtEl>
+                                        <p:attrNameLst>
+                                          <p:attrName>fill.type</p:attrName>
+                                        </p:attrNameLst>
+                                      </p:cBhvr>
+                                      <p:to>
+                                        <p:strVal val="solid"/>
+                                      </p:to>
+                                    </p:set>
+                                    <p:set>
+                                      <p:cBhvr>
+                                        <p:cTn id="32" dur="1500" fill="hold"/>
+                                        <p:tgtEl>
+                                          <p:spTgt spid="10"/>
+                                        </p:tgtEl>
+                                        <p:attrNameLst>
+                                          <p:attrName>fill.on</p:attrName>
+                                        </p:attrNameLst>
+                                      </p:cBhvr>
+                                      <p:to>
+                                        <p:strVal val="true"/>
+                                      </p:to>
+                                    </p:set>
+                                  </p:childTnLst>
+                                </p:cTn>
+                              </p:par>
+                              <p:par>
+                                <p:cTn id="33" presetID="1" presetClass="emph" presetSubtype="2" fill="hold" nodeType="withEffect">
+                                  <p:stCondLst>
+                                    <p:cond delay="0"/>
+                                  </p:stCondLst>
+                                  <p:childTnLst>
+                                    <p:animClr clrSpc="rgb" dir="cw">
+                                      <p:cBhvr>
+                                        <p:cTn id="34" dur="1500" fill="hold"/>
+                                        <p:tgtEl>
+                                          <p:spTgt spid="11"/>
+                                        </p:tgtEl>
+                                        <p:attrNameLst>
+                                          <p:attrName>fillcolor</p:attrName>
+                                        </p:attrNameLst>
+                                      </p:cBhvr>
+                                      <p:to>
+                                        <a:srgbClr val="FEE7CC"/>
+                                      </p:to>
+                                    </p:animClr>
+                                    <p:set>
+                                      <p:cBhvr>
+                                        <p:cTn id="35" dur="1500" fill="hold"/>
+                                        <p:tgtEl>
+                                          <p:spTgt spid="11"/>
+                                        </p:tgtEl>
+                                        <p:attrNameLst>
+                                          <p:attrName>fill.type</p:attrName>
+                                        </p:attrNameLst>
+                                      </p:cBhvr>
+                                      <p:to>
+                                        <p:strVal val="solid"/>
+                                      </p:to>
+                                    </p:set>
+                                    <p:set>
+                                      <p:cBhvr>
+                                        <p:cTn id="36" dur="1500" fill="hold"/>
+                                        <p:tgtEl>
+                                          <p:spTgt spid="11"/>
+                                        </p:tgtEl>
+                                        <p:attrNameLst>
+                                          <p:attrName>fill.on</p:attrName>
+                                        </p:attrNameLst>
+                                      </p:cBhvr>
+                                      <p:to>
+                                        <p:strVal val="true"/>
+                                      </p:to>
+                                    </p:set>
+                                  </p:childTnLst>
+                                </p:cTn>
+                              </p:par>
+                            </p:childTnLst>
+                          </p:cTn>
+                        </p:par>
+                        <p:par>
+                          <p:cTn id="37" fill="hold">
+                            <p:stCondLst>
+                              <p:cond delay="1500"/>
+                            </p:stCondLst>
+                            <p:childTnLst>
+                              <p:par>
+                                <p:cTn id="38" presetID="0" presetClass="path" presetSubtype="0" accel="50000" decel="50000" fill="hold" grpId="0" nodeType="afterEffect">
+                                  <p:stCondLst>
+                                    <p:cond delay="0"/>
+                                  </p:stCondLst>
+                                  <p:childTnLst>
+                                    <p:animMotion origin="layout" path="M 2.08333E-7 2.59259E-6 L -0.36849 0.00046 " pathEditMode="relative" rAng="0" ptsTypes="AA">
+                                      <p:cBhvr>
+                                        <p:cTn id="39" dur="1500" fill="hold"/>
+                                        <p:tgtEl>
+                                          <p:spTgt spid="7"/>
+                                        </p:tgtEl>
+                                        <p:attrNameLst>
+                                          <p:attrName>ppt_x</p:attrName>
+                                          <p:attrName>ppt_y</p:attrName>
+                                        </p:attrNameLst>
+                                      </p:cBhvr>
+                                      <p:rCtr x="-18424" y="23"/>
+                                    </p:animMotion>
+                                  </p:childTnLst>
+                                </p:cTn>
+                              </p:par>
+                              <p:par>
+                                <p:cTn id="40" presetID="0" presetClass="path" presetSubtype="0" accel="50000" decel="50000" fill="hold" grpId="0" nodeType="withEffect">
+                                  <p:stCondLst>
+                                    <p:cond delay="0"/>
+                                  </p:stCondLst>
+                                  <p:childTnLst>
+                                    <p:animMotion origin="layout" path="M 0 0 L 0.3681 0 " pathEditMode="relative" ptsTypes="AA">
+                                      <p:cBhvr>
+                                        <p:cTn id="41" dur="1500" fill="hold"/>
+                                        <p:tgtEl>
+                                          <p:spTgt spid="11"/>
+                                        </p:tgtEl>
+                                        <p:attrNameLst>
+                                          <p:attrName>ppt_x</p:attrName>
+                                          <p:attrName>ppt_y</p:attrName>
+                                        </p:attrNameLst>
+                                      </p:cBhvr>
+                                    </p:animMotion>
+                                  </p:childTnLst>
+                                </p:cTn>
+                              </p:par>
+                            </p:childTnLst>
+                          </p:cTn>
+                        </p:par>
+                        <p:par>
+                          <p:cTn id="42" fill="hold">
+                            <p:stCondLst>
+                              <p:cond delay="3000"/>
+                            </p:stCondLst>
+                            <p:childTnLst>
+                              <p:par>
+                                <p:cTn id="43" presetID="0" presetClass="path" presetSubtype="0" accel="50000" decel="50000" fill="hold" grpId="0" nodeType="afterEffect">
+                                  <p:stCondLst>
+                                    <p:cond delay="0"/>
+                                  </p:stCondLst>
+                                  <p:childTnLst>
+                                    <p:animMotion origin="layout" path="M 0 0 L -0.36888 0 " pathEditMode="relative" ptsTypes="AA">
+                                      <p:cBhvr>
+                                        <p:cTn id="44" dur="1500" fill="hold"/>
+                                        <p:tgtEl>
+                                          <p:spTgt spid="8"/>
+                                        </p:tgtEl>
+                                        <p:attrNameLst>
+                                          <p:attrName>ppt_x</p:attrName>
+                                          <p:attrName>ppt_y</p:attrName>
+                                        </p:attrNameLst>
+                                      </p:cBhvr>
+                                    </p:animMotion>
+                                  </p:childTnLst>
+                                </p:cTn>
+                              </p:par>
+                              <p:par>
+                                <p:cTn id="45" presetID="0" presetClass="path" presetSubtype="0" accel="50000" decel="50000" fill="hold" grpId="0" nodeType="withEffect">
+                                  <p:stCondLst>
+                                    <p:cond delay="0"/>
+                                  </p:stCondLst>
+                                  <p:childTnLst>
+                                    <p:animMotion origin="layout" path="M 6.25E-7 -4.44444E-6 L 0.36862 -0.00024 " pathEditMode="relative" rAng="0" ptsTypes="AA">
+                                      <p:cBhvr>
+                                        <p:cTn id="46" dur="1500" fill="hold"/>
+                                        <p:tgtEl>
+                                          <p:spTgt spid="4"/>
+                                        </p:tgtEl>
+                                        <p:attrNameLst>
+                                          <p:attrName>ppt_x</p:attrName>
+                                          <p:attrName>ppt_y</p:attrName>
+                                        </p:attrNameLst>
+                                      </p:cBhvr>
+                                      <p:rCtr x="18372" y="0"/>
+                                    </p:animMotion>
+                                  </p:childTnLst>
+                                </p:cTn>
+                              </p:par>
+                            </p:childTnLst>
+                          </p:cTn>
+                        </p:par>
+                      </p:childTnLst>
+                    </p:cTn>
+                  </p:par>
+                </p:childTnLst>
+              </p:cTn>
+              <p:prevCondLst>
+                <p:cond evt="onPrev" delay="0">
+                  <p:tgtEl>
+                    <p:sldTgt/>
+                  </p:tgtEl>
+                </p:cond>
+              </p:prevCondLst>
+              <p:nextCondLst>
+                <p:cond evt="onNext" delay="0">
+                  <p:tgtEl>
+                    <p:sldTgt/>
+                  </p:tgtEl>
+                </p:cond>
+              </p:nextCondLst>
+            </p:seq>
+          </p:childTnLst>
+        </p:cTn>
+      </p:par>
+    </p:tnLst>
+    <p:bldLst>
+      <p:bldP spid="11" grpId="0" animBg="1"/>
+      <p:bldP spid="4" grpId="0" animBg="1"/>
+      <p:bldP spid="8" grpId="0" animBg="1"/>
+      <p:bldP spid="7" grpId="0" animBg="1"/>
+    </p:bldLst>
+  </p:timing>
+</p:sld>
+</file>
+
+<file path=ppt/slides/slide2.xml><?xml version="1.0" encoding="utf-8"?>
+<p:sld xmlns:a="http://schemas.openxmlformats.org/drawingml/2006/main" xmlns:r="http://schemas.openxmlformats.org/officeDocument/2006/relationships" xmlns:p="http://schemas.openxmlformats.org/presentationml/2006/main">
+  <p:cSld>
+    <p:spTree>
+      <p:nvGrpSpPr>
+        <p:cNvPr id="1" name=""/>
+        <p:cNvGrpSpPr/>
+        <p:nvPr/>
+      </p:nvGrpSpPr>
+      <p:grpSpPr>
+        <a:xfrm>
+          <a:off x="0" y="0"/>
+          <a:ext cx="0" cy="0"/>
+          <a:chOff x="0" y="0"/>
+          <a:chExt cx="0" cy="0"/>
+        </a:xfrm>
+      </p:grpSpPr>
+      <p:sp>
+        <p:nvSpPr>
+          <p:cNvPr id="9" name="矩形 8">
+            <a:extLst>
+              <a:ext uri="{FF2B5EF4-FFF2-40B4-BE49-F238E27FC236}">
+                <a16:creationId xmlns:a16="http://schemas.microsoft.com/office/drawing/2014/main" id="{59A4F5B0-1997-954E-B46C-1A54B42ED514}"/>
+              </a:ext>
+            </a:extLst>
+          </p:cNvPr>
+          <p:cNvSpPr/>
+          <p:nvPr/>
+        </p:nvSpPr>
+        <p:spPr>
+          <a:xfrm>
+            <a:off x="8498542" y="2465294"/>
+            <a:ext cx="600635" cy="3720352"/>
+          </a:xfrm>
+          <a:prstGeom prst="rect">
+            <a:avLst/>
+          </a:prstGeom>
+          <a:solidFill>
+            <a:srgbClr val="DBE9FD"/>
+          </a:solidFill>
+          <a:ln w="19050">
+            <a:solidFill>
+              <a:srgbClr val="6C8EBF"/>
+            </a:solidFill>
+          </a:ln>
+        </p:spPr>
+        <p:style>
+          <a:lnRef idx="2">
+            <a:schemeClr val="accent1">
+              <a:shade val="50000"/>
+            </a:schemeClr>
+          </a:lnRef>
+          <a:fillRef idx="1">
+            <a:schemeClr val="accent1"/>
+          </a:fillRef>
+          <a:effectRef idx="0">
+            <a:schemeClr val="accent1"/>
+          </a:effectRef>
+          <a:fontRef idx="minor">
+            <a:schemeClr val="lt1"/>
+          </a:fontRef>
+        </p:style>
+        <p:txBody>
+          <a:bodyPr rtlCol="0" anchor="ctr"/>
+          <a:lstStyle/>
+          <a:p>
+            <a:pPr algn="ctr"/>
+            <a:r>
+              <a:rPr kumimoji="1" lang="en-US" altLang="zh-CN" dirty="0">
+                <a:solidFill>
+                  <a:schemeClr val="tx1"/>
+                </a:solidFill>
+              </a:rPr>
+              <a:t>9</a:t>
+            </a:r>
+            <a:endParaRPr kumimoji="1" lang="zh-CN" altLang="en-US" dirty="0">
+              <a:solidFill>
+                <a:schemeClr val="tx1"/>
+              </a:solidFill>
+            </a:endParaRPr>
+          </a:p>
+        </p:txBody>
+      </p:sp>
+      <p:sp>
+        <p:nvSpPr>
+          <p:cNvPr id="10" name="矩形 9">
+            <a:extLst>
+              <a:ext uri="{FF2B5EF4-FFF2-40B4-BE49-F238E27FC236}">
+                <a16:creationId xmlns:a16="http://schemas.microsoft.com/office/drawing/2014/main" id="{6812B9DA-91DC-C34D-B4D5-DDA5DA08FE2C}"/>
+              </a:ext>
+            </a:extLst>
+          </p:cNvPr>
+          <p:cNvSpPr/>
+          <p:nvPr/>
+        </p:nvSpPr>
+        <p:spPr>
+          <a:xfrm>
+            <a:off x="9622116" y="2985247"/>
+            <a:ext cx="600635" cy="3200400"/>
+          </a:xfrm>
+          <a:prstGeom prst="rect">
+            <a:avLst/>
+          </a:prstGeom>
+          <a:solidFill>
+            <a:srgbClr val="DBE9FD"/>
+          </a:solidFill>
+          <a:ln w="19050">
+            <a:solidFill>
+              <a:srgbClr val="6C8EBF"/>
+            </a:solidFill>
+          </a:ln>
+        </p:spPr>
+        <p:style>
+          <a:lnRef idx="2">
+            <a:schemeClr val="accent1">
+              <a:shade val="50000"/>
+            </a:schemeClr>
+          </a:lnRef>
+          <a:fillRef idx="1">
+            <a:schemeClr val="accent1"/>
+          </a:fillRef>
+          <a:effectRef idx="0">
+            <a:schemeClr val="accent1"/>
+          </a:effectRef>
+          <a:fontRef idx="minor">
+            <a:schemeClr val="lt1"/>
+          </a:fontRef>
+        </p:style>
+        <p:txBody>
+          <a:bodyPr rtlCol="0" anchor="ctr"/>
+          <a:lstStyle/>
+          <a:p>
+            <a:pPr algn="ctr"/>
+            <a:r>
+              <a:rPr kumimoji="1" lang="en-US" altLang="zh-CN" dirty="0">
+                <a:solidFill>
+                  <a:schemeClr val="tx1"/>
+                </a:solidFill>
+              </a:rPr>
+              <a:t>8</a:t>
+            </a:r>
+            <a:endParaRPr kumimoji="1" lang="zh-CN" altLang="en-US" dirty="0">
+              <a:solidFill>
+                <a:schemeClr val="tx1"/>
+              </a:solidFill>
+            </a:endParaRPr>
+          </a:p>
+        </p:txBody>
+      </p:sp>
+      <p:sp>
+        <p:nvSpPr>
+          <p:cNvPr id="11" name="矩形 10">
+            <a:extLst>
+              <a:ext uri="{FF2B5EF4-FFF2-40B4-BE49-F238E27FC236}">
+                <a16:creationId xmlns:a16="http://schemas.microsoft.com/office/drawing/2014/main" id="{704900AC-5E61-8244-9381-82FD66101EE6}"/>
+              </a:ext>
+            </a:extLst>
+          </p:cNvPr>
+          <p:cNvSpPr/>
+          <p:nvPr/>
+        </p:nvSpPr>
+        <p:spPr>
+          <a:xfrm>
+            <a:off x="6251384" y="5190563"/>
+            <a:ext cx="600635" cy="995083"/>
+          </a:xfrm>
+          <a:prstGeom prst="rect">
+            <a:avLst/>
+          </a:prstGeom>
+          <a:solidFill>
+            <a:srgbClr val="DBE9FD"/>
+          </a:solidFill>
+          <a:ln w="19050">
+            <a:solidFill>
+              <a:srgbClr val="6C8EBF"/>
+            </a:solidFill>
+          </a:ln>
+        </p:spPr>
+        <p:style>
+          <a:lnRef idx="2">
+            <a:schemeClr val="accent1">
+              <a:shade val="50000"/>
+            </a:schemeClr>
+          </a:lnRef>
+          <a:fillRef idx="1">
+            <a:schemeClr val="accent1"/>
+          </a:fillRef>
+          <a:effectRef idx="0">
+            <a:schemeClr val="accent1"/>
+          </a:effectRef>
+          <a:fontRef idx="minor">
+            <a:schemeClr val="lt1"/>
+          </a:fontRef>
+        </p:style>
+        <p:txBody>
+          <a:bodyPr rtlCol="0" anchor="ctr"/>
+          <a:lstStyle/>
+          <a:p>
+            <a:pPr algn="ctr"/>
+            <a:r>
+              <a:rPr kumimoji="1" lang="en-US" altLang="zh-CN" dirty="0">
+                <a:solidFill>
+                  <a:schemeClr val="tx1"/>
+                </a:solidFill>
+              </a:rPr>
+              <a:t>2</a:t>
+            </a:r>
+            <a:endParaRPr kumimoji="1" lang="zh-CN" altLang="en-US" dirty="0">
+              <a:solidFill>
+                <a:schemeClr val="tx1"/>
+              </a:solidFill>
+            </a:endParaRPr>
+          </a:p>
+        </p:txBody>
+      </p:sp>
+      <p:sp>
+        <p:nvSpPr>
+          <p:cNvPr id="4" name="矩形 3">
+            <a:extLst>
+              <a:ext uri="{FF2B5EF4-FFF2-40B4-BE49-F238E27FC236}">
+                <a16:creationId xmlns:a16="http://schemas.microsoft.com/office/drawing/2014/main" id="{49F75422-CA6D-F744-9517-A85CD891A33E}"/>
+              </a:ext>
+            </a:extLst>
+          </p:cNvPr>
+          <p:cNvSpPr/>
+          <p:nvPr/>
+        </p:nvSpPr>
+        <p:spPr>
+          <a:xfrm>
+            <a:off x="7374968" y="3429000"/>
+            <a:ext cx="600635" cy="2756646"/>
+          </a:xfrm>
+          <a:prstGeom prst="rect">
+            <a:avLst/>
+          </a:prstGeom>
+          <a:solidFill>
+            <a:srgbClr val="DBE9FD"/>
+          </a:solidFill>
+          <a:ln w="19050">
+            <a:solidFill>
+              <a:srgbClr val="6C8EBF"/>
+            </a:solidFill>
+          </a:ln>
+        </p:spPr>
+        <p:style>
+          <a:lnRef idx="2">
+            <a:schemeClr val="accent1">
+              <a:shade val="50000"/>
+            </a:schemeClr>
+          </a:lnRef>
+          <a:fillRef idx="1">
+            <a:schemeClr val="accent1"/>
+          </a:fillRef>
+          <a:effectRef idx="0">
+            <a:schemeClr val="accent1"/>
+          </a:effectRef>
+          <a:fontRef idx="minor">
+            <a:schemeClr val="lt1"/>
+          </a:fontRef>
+        </p:style>
+        <p:txBody>
+          <a:bodyPr rtlCol="0" anchor="ctr"/>
+          <a:lstStyle/>
+          <a:p>
+            <a:pPr algn="ctr"/>
+            <a:r>
+              <a:rPr kumimoji="1" lang="en-US" altLang="zh-CN" dirty="0">
+                <a:solidFill>
+                  <a:schemeClr val="tx1"/>
+                </a:solidFill>
+              </a:rPr>
+              <a:t>6</a:t>
+            </a:r>
+            <a:endParaRPr kumimoji="1" lang="zh-CN" altLang="en-US" dirty="0">
+              <a:solidFill>
+                <a:schemeClr val="tx1"/>
+              </a:solidFill>
+            </a:endParaRPr>
+          </a:p>
+        </p:txBody>
+      </p:sp>
+      <p:sp>
+        <p:nvSpPr>
+          <p:cNvPr id="7" name="矩形 6">
+            <a:extLst>
+              <a:ext uri="{FF2B5EF4-FFF2-40B4-BE49-F238E27FC236}">
+                <a16:creationId xmlns:a16="http://schemas.microsoft.com/office/drawing/2014/main" id="{13658B0D-38D6-ED45-A516-BDE6A9013293}"/>
+              </a:ext>
+            </a:extLst>
+          </p:cNvPr>
+          <p:cNvSpPr/>
+          <p:nvPr/>
+        </p:nvSpPr>
+        <p:spPr>
+          <a:xfrm>
+            <a:off x="1757082" y="5576047"/>
+            <a:ext cx="600635" cy="609599"/>
+          </a:xfrm>
+          <a:prstGeom prst="rect">
+            <a:avLst/>
+          </a:prstGeom>
+          <a:solidFill>
+            <a:srgbClr val="DBE9FD"/>
+          </a:solidFill>
+          <a:ln w="19050">
+            <a:solidFill>
+              <a:srgbClr val="6C8EBF"/>
+            </a:solidFill>
+          </a:ln>
+        </p:spPr>
+        <p:style>
+          <a:lnRef idx="2">
+            <a:schemeClr val="accent1">
+              <a:shade val="50000"/>
+            </a:schemeClr>
+          </a:lnRef>
+          <a:fillRef idx="1">
+            <a:schemeClr val="accent1"/>
+          </a:fillRef>
+          <a:effectRef idx="0">
+            <a:schemeClr val="accent1"/>
+          </a:effectRef>
+          <a:fontRef idx="minor">
+            <a:schemeClr val="lt1"/>
+          </a:fontRef>
+        </p:style>
+        <p:txBody>
+          <a:bodyPr rtlCol="0" anchor="ctr"/>
+          <a:lstStyle/>
+          <a:p>
+            <a:pPr algn="ctr"/>
+            <a:r>
+              <a:rPr kumimoji="1" lang="en-US" altLang="zh-CN" dirty="0">
+                <a:solidFill>
+                  <a:schemeClr val="tx1"/>
+                </a:solidFill>
+              </a:rPr>
+              <a:t>1</a:t>
+            </a:r>
+            <a:endParaRPr kumimoji="1" lang="zh-CN" altLang="en-US" dirty="0">
+              <a:solidFill>
+                <a:schemeClr val="tx1"/>
+              </a:solidFill>
+            </a:endParaRPr>
+          </a:p>
+        </p:txBody>
+      </p:sp>
+      <p:sp>
+        <p:nvSpPr>
+          <p:cNvPr id="5" name="矩形 4">
+            <a:extLst>
+              <a:ext uri="{FF2B5EF4-FFF2-40B4-BE49-F238E27FC236}">
+                <a16:creationId xmlns:a16="http://schemas.microsoft.com/office/drawing/2014/main" id="{B07BC9ED-F135-D247-952D-A7B6FE2F81C4}"/>
+              </a:ext>
+            </a:extLst>
+          </p:cNvPr>
+          <p:cNvSpPr/>
+          <p:nvPr/>
+        </p:nvSpPr>
+        <p:spPr>
+          <a:xfrm>
+            <a:off x="4004237" y="4805083"/>
+            <a:ext cx="600635" cy="1380564"/>
+          </a:xfrm>
+          <a:prstGeom prst="rect">
+            <a:avLst/>
+          </a:prstGeom>
+          <a:solidFill>
+            <a:srgbClr val="DBE9FD"/>
+          </a:solidFill>
+          <a:ln w="19050">
+            <a:solidFill>
+              <a:srgbClr val="6C8EBF"/>
+            </a:solidFill>
+          </a:ln>
+        </p:spPr>
+        <p:style>
+          <a:lnRef idx="2">
+            <a:schemeClr val="accent1">
+              <a:shade val="50000"/>
+            </a:schemeClr>
+          </a:lnRef>
+          <a:fillRef idx="1">
+            <a:schemeClr val="accent1"/>
+          </a:fillRef>
+          <a:effectRef idx="0">
+            <a:schemeClr val="accent1"/>
+          </a:effectRef>
+          <a:fontRef idx="minor">
+            <a:schemeClr val="lt1"/>
+          </a:fontRef>
+        </p:style>
+        <p:txBody>
+          <a:bodyPr rtlCol="0" anchor="ctr"/>
+          <a:lstStyle/>
+          <a:p>
+            <a:pPr algn="ctr"/>
+            <a:r>
+              <a:rPr kumimoji="1" lang="en-US" altLang="zh-CN" dirty="0">
+                <a:solidFill>
+                  <a:schemeClr val="tx1"/>
+                </a:solidFill>
+              </a:rPr>
+              <a:t>3</a:t>
+            </a:r>
+            <a:endParaRPr kumimoji="1" lang="zh-CN" altLang="en-US" dirty="0">
+              <a:solidFill>
+                <a:schemeClr val="tx1"/>
+              </a:solidFill>
+            </a:endParaRPr>
+          </a:p>
+        </p:txBody>
+      </p:sp>
+      <p:sp>
+        <p:nvSpPr>
+          <p:cNvPr id="8" name="矩形 7">
+            <a:extLst>
+              <a:ext uri="{FF2B5EF4-FFF2-40B4-BE49-F238E27FC236}">
+                <a16:creationId xmlns:a16="http://schemas.microsoft.com/office/drawing/2014/main" id="{2BA4C5BF-11D7-6E4B-873D-AC5F6CD48BB4}"/>
+              </a:ext>
+            </a:extLst>
+          </p:cNvPr>
+          <p:cNvSpPr/>
+          <p:nvPr/>
+        </p:nvSpPr>
+        <p:spPr>
+          <a:xfrm>
+            <a:off x="2880653" y="3872753"/>
+            <a:ext cx="600635" cy="2312893"/>
+          </a:xfrm>
+          <a:prstGeom prst="rect">
+            <a:avLst/>
+          </a:prstGeom>
+          <a:solidFill>
+            <a:srgbClr val="DBE9FD"/>
+          </a:solidFill>
+          <a:ln w="19050">
+            <a:solidFill>
+              <a:srgbClr val="6C8EBF"/>
+            </a:solidFill>
+          </a:ln>
+        </p:spPr>
+        <p:style>
+          <a:lnRef idx="2">
+            <a:schemeClr val="accent1">
+              <a:shade val="50000"/>
+            </a:schemeClr>
+          </a:lnRef>
+          <a:fillRef idx="1">
+            <a:schemeClr val="accent1"/>
+          </a:fillRef>
+          <a:effectRef idx="0">
+            <a:schemeClr val="accent1"/>
+          </a:effectRef>
+          <a:fontRef idx="minor">
+            <a:schemeClr val="lt1"/>
+          </a:fontRef>
+        </p:style>
+        <p:txBody>
+          <a:bodyPr rtlCol="0" anchor="ctr"/>
+          <a:lstStyle/>
+          <a:p>
+            <a:pPr algn="ctr"/>
+            <a:r>
+              <a:rPr kumimoji="1" lang="en-US" altLang="zh-CN" dirty="0">
+                <a:solidFill>
+                  <a:schemeClr val="tx1"/>
+                </a:solidFill>
+              </a:rPr>
+              <a:t>5</a:t>
+            </a:r>
+            <a:endParaRPr kumimoji="1" lang="zh-CN" altLang="en-US" dirty="0">
+              <a:solidFill>
+                <a:schemeClr val="tx1"/>
+              </a:solidFill>
+            </a:endParaRPr>
+          </a:p>
+        </p:txBody>
+      </p:sp>
+      <p:sp>
+        <p:nvSpPr>
+          <p:cNvPr id="6" name="矩形 5">
+            <a:extLst>
+              <a:ext uri="{FF2B5EF4-FFF2-40B4-BE49-F238E27FC236}">
+                <a16:creationId xmlns:a16="http://schemas.microsoft.com/office/drawing/2014/main" id="{48577139-A61D-7D43-97A8-64011985115F}"/>
+              </a:ext>
+            </a:extLst>
+          </p:cNvPr>
+          <p:cNvSpPr/>
+          <p:nvPr/>
+        </p:nvSpPr>
+        <p:spPr>
+          <a:xfrm>
+            <a:off x="5127814" y="4356847"/>
+            <a:ext cx="600635" cy="1828799"/>
+          </a:xfrm>
+          <a:prstGeom prst="rect">
+            <a:avLst/>
+          </a:prstGeom>
+          <a:solidFill>
+            <a:srgbClr val="DBE9FD"/>
+          </a:solidFill>
+          <a:ln w="19050">
+            <a:solidFill>
+              <a:srgbClr val="6C8EBF"/>
+            </a:solidFill>
+          </a:ln>
+        </p:spPr>
+        <p:style>
+          <a:lnRef idx="2">
+            <a:schemeClr val="accent1">
+              <a:shade val="50000"/>
+            </a:schemeClr>
+          </a:lnRef>
+          <a:fillRef idx="1">
+            <a:schemeClr val="accent1"/>
+          </a:fillRef>
+          <a:effectRef idx="0">
+            <a:schemeClr val="accent1"/>
+          </a:effectRef>
+          <a:fontRef idx="minor">
+            <a:schemeClr val="lt1"/>
+          </a:fontRef>
+        </p:style>
+        <p:txBody>
+          <a:bodyPr rtlCol="0" anchor="ctr"/>
+          <a:lstStyle/>
+          <a:p>
+            <a:pPr algn="ctr"/>
+            <a:r>
+              <a:rPr kumimoji="1" lang="en-US" altLang="zh-CN" dirty="0">
+                <a:solidFill>
+                  <a:schemeClr val="tx1"/>
+                </a:solidFill>
+              </a:rPr>
+              <a:t>4</a:t>
+            </a:r>
+            <a:endParaRPr kumimoji="1" lang="zh-CN" altLang="en-US" dirty="0">
+              <a:solidFill>
+                <a:schemeClr val="tx1"/>
+              </a:solidFill>
+            </a:endParaRPr>
+          </a:p>
+        </p:txBody>
+      </p:sp>
+    </p:spTree>
+    <p:extLst>
+      <p:ext uri="{BB962C8B-B14F-4D97-AF65-F5344CB8AC3E}">
+        <p14:creationId xmlns:p14="http://schemas.microsoft.com/office/powerpoint/2010/main" val="50007212"/>
+      </p:ext>
+    </p:extLst>
+  </p:cSld>
+  <p:clrMapOvr>
+    <a:masterClrMapping/>
+  </p:clrMapOvr>
+  <p:timing>
+    <p:tnLst>
+      <p:par>
+        <p:cTn id="1" dur="indefinite" restart="never" nodeType="tmRoot">
+          <p:childTnLst>
+            <p:seq concurrent="1" nextAc="seek">
+              <p:cTn id="2" dur="indefinite" nodeType="mainSeq">
+                <p:childTnLst>
+                  <p:par>
+                    <p:cTn id="3" fill="hold">
+                      <p:stCondLst>
+                        <p:cond delay="indefinite"/>
+                      </p:stCondLst>
+                      <p:childTnLst>
+                        <p:par>
+                          <p:cTn id="4" fill="hold">
+                            <p:stCondLst>
+                              <p:cond delay="0"/>
+                            </p:stCondLst>
+                            <p:childTnLst>
+                              <p:par>
+                                <p:cTn id="5" presetID="1" presetClass="emph" presetSubtype="2" fill="hold" nodeType="clickEffect">
+                                  <p:stCondLst>
+                                    <p:cond delay="0"/>
+                                  </p:stCondLst>
+                                  <p:childTnLst>
+                                    <p:animClr clrSpc="rgb" dir="cw">
+                                      <p:cBhvr>
+                                        <p:cTn id="6" dur="1500" fill="hold"/>
+                                        <p:tgtEl>
+                                          <p:spTgt spid="5"/>
+                                        </p:tgtEl>
+                                        <p:attrNameLst>
+                                          <p:attrName>fillcolor</p:attrName>
+                                        </p:attrNameLst>
+                                      </p:cBhvr>
+                                      <p:to>
+                                        <a:srgbClr val="FEE7CC"/>
+                                      </p:to>
+                                    </p:animClr>
+                                    <p:set>
+                                      <p:cBhvr>
+                                        <p:cTn id="7" dur="1500" fill="hold"/>
+                                        <p:tgtEl>
+                                          <p:spTgt spid="5"/>
+                                        </p:tgtEl>
+                                        <p:attrNameLst>
+                                          <p:attrName>fill.type</p:attrName>
+                                        </p:attrNameLst>
+                                      </p:cBhvr>
+                                      <p:to>
+                                        <p:strVal val="solid"/>
+                                      </p:to>
+                                    </p:set>
+                                    <p:set>
+                                      <p:cBhvr>
+                                        <p:cTn id="8" dur="1500" fill="hold"/>
+                                        <p:tgtEl>
+                                          <p:spTgt spid="5"/>
+                                        </p:tgtEl>
+                                        <p:attrNameLst>
+                                          <p:attrName>fill.on</p:attrName>
+                                        </p:attrNameLst>
+                                      </p:cBhvr>
+                                      <p:to>
+                                        <p:strVal val="true"/>
+                                      </p:to>
+                                    </p:set>
+                                  </p:childTnLst>
+                                </p:cTn>
+                              </p:par>
+                              <p:par>
+                                <p:cTn id="9" presetID="1" presetClass="emph" presetSubtype="2" fill="hold" nodeType="withEffect">
+                                  <p:stCondLst>
+                                    <p:cond delay="0"/>
+                                  </p:stCondLst>
+                                  <p:childTnLst>
+                                    <p:animClr clrSpc="rgb" dir="cw">
+                                      <p:cBhvr>
+                                        <p:cTn id="10" dur="1500" fill="hold"/>
+                                        <p:tgtEl>
+                                          <p:spTgt spid="6"/>
+                                        </p:tgtEl>
+                                        <p:attrNameLst>
+                                          <p:attrName>fillcolor</p:attrName>
+                                        </p:attrNameLst>
+                                      </p:cBhvr>
+                                      <p:to>
+                                        <a:srgbClr val="F8CECC"/>
+                                      </p:to>
+                                    </p:animClr>
+                                    <p:set>
+                                      <p:cBhvr>
+                                        <p:cTn id="11" dur="1500" fill="hold"/>
+                                        <p:tgtEl>
+                                          <p:spTgt spid="6"/>
+                                        </p:tgtEl>
+                                        <p:attrNameLst>
+                                          <p:attrName>fill.type</p:attrName>
+                                        </p:attrNameLst>
+                                      </p:cBhvr>
+                                      <p:to>
+                                        <p:strVal val="solid"/>
+                                      </p:to>
+                                    </p:set>
+                                    <p:set>
+                                      <p:cBhvr>
+                                        <p:cTn id="12" dur="1500" fill="hold"/>
+                                        <p:tgtEl>
+                                          <p:spTgt spid="6"/>
+                                        </p:tgtEl>
+                                        <p:attrNameLst>
+                                          <p:attrName>fill.on</p:attrName>
+                                        </p:attrNameLst>
+                                      </p:cBhvr>
+                                      <p:to>
+                                        <p:strVal val="true"/>
+                                      </p:to>
+                                    </p:set>
+                                  </p:childTnLst>
+                                </p:cTn>
+                              </p:par>
+                              <p:par>
+                                <p:cTn id="13" presetID="1" presetClass="emph" presetSubtype="2" fill="hold" nodeType="withEffect">
+                                  <p:stCondLst>
+                                    <p:cond delay="0"/>
+                                  </p:stCondLst>
+                                  <p:childTnLst>
+                                    <p:animClr clrSpc="rgb" dir="cw">
+                                      <p:cBhvr>
+                                        <p:cTn id="14" dur="1500" fill="hold"/>
+                                        <p:tgtEl>
+                                          <p:spTgt spid="9"/>
+                                        </p:tgtEl>
+                                        <p:attrNameLst>
+                                          <p:attrName>fillcolor</p:attrName>
+                                        </p:attrNameLst>
+                                      </p:cBhvr>
+                                      <p:to>
+                                        <a:srgbClr val="FEE7CC"/>
+                                      </p:to>
+                                    </p:animClr>
+                                    <p:set>
+                                      <p:cBhvr>
+                                        <p:cTn id="15" dur="1500" fill="hold"/>
+                                        <p:tgtEl>
+                                          <p:spTgt spid="9"/>
+                                        </p:tgtEl>
+                                        <p:attrNameLst>
+                                          <p:attrName>fill.type</p:attrName>
+                                        </p:attrNameLst>
+                                      </p:cBhvr>
+                                      <p:to>
+                                        <p:strVal val="solid"/>
+                                      </p:to>
+                                    </p:set>
+                                    <p:set>
+                                      <p:cBhvr>
+                                        <p:cTn id="16" dur="1500" fill="hold"/>
+                                        <p:tgtEl>
+                                          <p:spTgt spid="9"/>
+                                        </p:tgtEl>
+                                        <p:attrNameLst>
+                                          <p:attrName>fill.on</p:attrName>
+                                        </p:attrNameLst>
+                                      </p:cBhvr>
+                                      <p:to>
+                                        <p:strVal val="true"/>
+                                      </p:to>
+                                    </p:set>
+                                  </p:childTnLst>
+                                </p:cTn>
+                              </p:par>
+                              <p:par>
+                                <p:cTn id="17" presetID="1" presetClass="emph" presetSubtype="2" fill="hold" nodeType="withEffect">
+                                  <p:stCondLst>
+                                    <p:cond delay="0"/>
+                                  </p:stCondLst>
+                                  <p:childTnLst>
+                                    <p:animClr clrSpc="rgb" dir="cw">
+                                      <p:cBhvr>
+                                        <p:cTn id="18" dur="1500" fill="hold"/>
+                                        <p:tgtEl>
+                                          <p:spTgt spid="10"/>
+                                        </p:tgtEl>
+                                        <p:attrNameLst>
+                                          <p:attrName>fillcolor</p:attrName>
+                                        </p:attrNameLst>
+                                      </p:cBhvr>
+                                      <p:to>
+                                        <a:srgbClr val="F8CECC"/>
+                                      </p:to>
+                                    </p:animClr>
+                                    <p:set>
+                                      <p:cBhvr>
+                                        <p:cTn id="19" dur="1500" fill="hold"/>
+                                        <p:tgtEl>
+                                          <p:spTgt spid="10"/>
+                                        </p:tgtEl>
+                                        <p:attrNameLst>
+                                          <p:attrName>fill.type</p:attrName>
+                                        </p:attrNameLst>
+                                      </p:cBhvr>
+                                      <p:to>
+                                        <p:strVal val="solid"/>
+                                      </p:to>
+                                    </p:set>
+                                    <p:set>
+                                      <p:cBhvr>
+                                        <p:cTn id="20" dur="1500" fill="hold"/>
+                                        <p:tgtEl>
+                                          <p:spTgt spid="10"/>
+                                        </p:tgtEl>
+                                        <p:attrNameLst>
+                                          <p:attrName>fill.on</p:attrName>
+                                        </p:attrNameLst>
+                                      </p:cBhvr>
+                                      <p:to>
+                                        <p:strVal val="true"/>
+                                      </p:to>
+                                    </p:set>
+                                  </p:childTnLst>
+                                </p:cTn>
+                              </p:par>
+                              <p:par>
+                                <p:cTn id="21" presetID="1" presetClass="emph" presetSubtype="2" fill="hold" nodeType="withEffect">
+                                  <p:stCondLst>
+                                    <p:cond delay="0"/>
+                                  </p:stCondLst>
+                                  <p:childTnLst>
+                                    <p:animClr clrSpc="rgb" dir="cw">
+                                      <p:cBhvr>
+                                        <p:cTn id="22" dur="1500" fill="hold"/>
+                                        <p:tgtEl>
+                                          <p:spTgt spid="11"/>
+                                        </p:tgtEl>
+                                        <p:attrNameLst>
+                                          <p:attrName>fillcolor</p:attrName>
+                                        </p:attrNameLst>
+                                      </p:cBhvr>
+                                      <p:to>
+                                        <a:srgbClr val="FEE7CC"/>
+                                      </p:to>
+                                    </p:animClr>
+                                    <p:set>
+                                      <p:cBhvr>
+                                        <p:cTn id="23" dur="1500" fill="hold"/>
+                                        <p:tgtEl>
+                                          <p:spTgt spid="11"/>
+                                        </p:tgtEl>
+                                        <p:attrNameLst>
+                                          <p:attrName>fill.type</p:attrName>
+                                        </p:attrNameLst>
+                                      </p:cBhvr>
+                                      <p:to>
+                                        <p:strVal val="solid"/>
+                                      </p:to>
+                                    </p:set>
+                                    <p:set>
+                                      <p:cBhvr>
+                                        <p:cTn id="24" dur="1500" fill="hold"/>
+                                        <p:tgtEl>
+                                          <p:spTgt spid="11"/>
+                                        </p:tgtEl>
+                                        <p:attrNameLst>
+                                          <p:attrName>fill.on</p:attrName>
+                                        </p:attrNameLst>
+                                      </p:cBhvr>
+                                      <p:to>
+                                        <p:strVal val="true"/>
+                                      </p:to>
+                                    </p:set>
+                                  </p:childTnLst>
+                                </p:cTn>
+                              </p:par>
+                              <p:par>
+                                <p:cTn id="25" presetID="1" presetClass="emph" presetSubtype="2" fill="hold" nodeType="withEffect">
+                                  <p:stCondLst>
+                                    <p:cond delay="0"/>
+                                  </p:stCondLst>
+                                  <p:childTnLst>
+                                    <p:animClr clrSpc="rgb" dir="cw">
+                                      <p:cBhvr>
+                                        <p:cTn id="26" dur="1500" fill="hold"/>
+                                        <p:tgtEl>
+                                          <p:spTgt spid="4"/>
+                                        </p:tgtEl>
+                                        <p:attrNameLst>
+                                          <p:attrName>fillcolor</p:attrName>
+                                        </p:attrNameLst>
+                                      </p:cBhvr>
+                                      <p:to>
+                                        <a:srgbClr val="F8CECC"/>
+                                      </p:to>
+                                    </p:animClr>
+                                    <p:set>
+                                      <p:cBhvr>
+                                        <p:cTn id="27" dur="1500" fill="hold"/>
+                                        <p:tgtEl>
+                                          <p:spTgt spid="4"/>
+                                        </p:tgtEl>
+                                        <p:attrNameLst>
+                                          <p:attrName>fill.type</p:attrName>
+                                        </p:attrNameLst>
+                                      </p:cBhvr>
+                                      <p:to>
+                                        <p:strVal val="solid"/>
+                                      </p:to>
+                                    </p:set>
+                                    <p:set>
+                                      <p:cBhvr>
+                                        <p:cTn id="28" dur="1500" fill="hold"/>
+                                        <p:tgtEl>
+                                          <p:spTgt spid="4"/>
+                                        </p:tgtEl>
+                                        <p:attrNameLst>
+                                          <p:attrName>fill.on</p:attrName>
+                                        </p:attrNameLst>
+                                      </p:cBhvr>
+                                      <p:to>
+                                        <p:strVal val="true"/>
+                                      </p:to>
+                                    </p:set>
+                                  </p:childTnLst>
+                                </p:cTn>
+                              </p:par>
+                              <p:par>
+                                <p:cTn id="29" presetID="1" presetClass="emph" presetSubtype="2" fill="hold" nodeType="withEffect">
+                                  <p:stCondLst>
+                                    <p:cond delay="0"/>
+                                  </p:stCondLst>
+                                  <p:childTnLst>
+                                    <p:animClr clrSpc="rgb" dir="cw">
+                                      <p:cBhvr>
+                                        <p:cTn id="30" dur="1500" fill="hold"/>
+                                        <p:tgtEl>
+                                          <p:spTgt spid="8"/>
+                                        </p:tgtEl>
+                                        <p:attrNameLst>
+                                          <p:attrName>fillcolor</p:attrName>
+                                        </p:attrNameLst>
+                                      </p:cBhvr>
+                                      <p:to>
+                                        <a:srgbClr val="F8CECC"/>
+                                      </p:to>
+                                    </p:animClr>
+                                    <p:set>
+                                      <p:cBhvr>
+                                        <p:cTn id="31" dur="1500" fill="hold"/>
+                                        <p:tgtEl>
+                                          <p:spTgt spid="8"/>
+                                        </p:tgtEl>
+                                        <p:attrNameLst>
+                                          <p:attrName>fill.type</p:attrName>
+                                        </p:attrNameLst>
+                                      </p:cBhvr>
+                                      <p:to>
+                                        <p:strVal val="solid"/>
+                                      </p:to>
+                                    </p:set>
+                                    <p:set>
+                                      <p:cBhvr>
+                                        <p:cTn id="32" dur="1500" fill="hold"/>
+                                        <p:tgtEl>
+                                          <p:spTgt spid="8"/>
+                                        </p:tgtEl>
+                                        <p:attrNameLst>
+                                          <p:attrName>fill.on</p:attrName>
+                                        </p:attrNameLst>
+                                      </p:cBhvr>
+                                      <p:to>
+                                        <p:strVal val="true"/>
+                                      </p:to>
+                                    </p:set>
+                                  </p:childTnLst>
+                                </p:cTn>
+                              </p:par>
+                              <p:par>
+                                <p:cTn id="33" presetID="1" presetClass="emph" presetSubtype="2" fill="hold" nodeType="withEffect">
+                                  <p:stCondLst>
+                                    <p:cond delay="0"/>
+                                  </p:stCondLst>
+                                  <p:childTnLst>
+                                    <p:animClr clrSpc="rgb" dir="cw">
+                                      <p:cBhvr>
+                                        <p:cTn id="34" dur="1500" fill="hold"/>
+                                        <p:tgtEl>
+                                          <p:spTgt spid="7"/>
+                                        </p:tgtEl>
+                                        <p:attrNameLst>
+                                          <p:attrName>fillcolor</p:attrName>
+                                        </p:attrNameLst>
+                                      </p:cBhvr>
+                                      <p:to>
+                                        <a:srgbClr val="FEE7CC"/>
+                                      </p:to>
+                                    </p:animClr>
+                                    <p:set>
+                                      <p:cBhvr>
+                                        <p:cTn id="35" dur="1500" fill="hold"/>
+                                        <p:tgtEl>
+                                          <p:spTgt spid="7"/>
+                                        </p:tgtEl>
+                                        <p:attrNameLst>
+                                          <p:attrName>fill.type</p:attrName>
+                                        </p:attrNameLst>
+                                      </p:cBhvr>
+                                      <p:to>
+                                        <p:strVal val="solid"/>
+                                      </p:to>
+                                    </p:set>
+                                    <p:set>
+                                      <p:cBhvr>
+                                        <p:cTn id="36" dur="1500" fill="hold"/>
+                                        <p:tgtEl>
+                                          <p:spTgt spid="7"/>
+                                        </p:tgtEl>
+                                        <p:attrNameLst>
+                                          <p:attrName>fill.on</p:attrName>
+                                        </p:attrNameLst>
+                                      </p:cBhvr>
+                                      <p:to>
+                                        <p:strVal val="true"/>
+                                      </p:to>
+                                    </p:set>
+                                  </p:childTnLst>
+                                </p:cTn>
+                              </p:par>
+                            </p:childTnLst>
+                          </p:cTn>
+                        </p:par>
+                        <p:par>
+                          <p:cTn id="37" fill="hold">
+                            <p:stCondLst>
+                              <p:cond delay="1500"/>
+                            </p:stCondLst>
+                            <p:childTnLst>
+                              <p:par>
+                                <p:cTn id="38" presetID="0" presetClass="path" presetSubtype="0" accel="50000" decel="50000" fill="hold" grpId="0" nodeType="afterEffect">
+                                  <p:stCondLst>
+                                    <p:cond delay="0"/>
+                                  </p:stCondLst>
+                                  <p:childTnLst>
+                                    <p:animMotion origin="layout" path="M 0 0 L 0.18438 0 " pathEditMode="relative" ptsTypes="AA">
+                                      <p:cBhvr>
+                                        <p:cTn id="39" dur="1500" fill="hold"/>
+                                        <p:tgtEl>
+                                          <p:spTgt spid="5"/>
+                                        </p:tgtEl>
+                                        <p:attrNameLst>
+                                          <p:attrName>ppt_x</p:attrName>
+                                          <p:attrName>ppt_y</p:attrName>
+                                        </p:attrNameLst>
+                                      </p:cBhvr>
+                                    </p:animMotion>
+                                  </p:childTnLst>
+                                </p:cTn>
+                              </p:par>
+                              <p:par>
+                                <p:cTn id="40" presetID="0" presetClass="path" presetSubtype="0" accel="50000" decel="50000" fill="hold" grpId="0" nodeType="withEffect">
+                                  <p:stCondLst>
+                                    <p:cond delay="0"/>
+                                  </p:stCondLst>
+                                  <p:childTnLst>
+                                    <p:animMotion origin="layout" path="M -6.25E-7 1.48148E-6 L -0.18359 0.00092 " pathEditMode="relative" rAng="0" ptsTypes="AA">
+                                      <p:cBhvr>
+                                        <p:cTn id="41" dur="1500" fill="hold"/>
+                                        <p:tgtEl>
+                                          <p:spTgt spid="11"/>
+                                        </p:tgtEl>
+                                        <p:attrNameLst>
+                                          <p:attrName>ppt_x</p:attrName>
+                                          <p:attrName>ppt_y</p:attrName>
+                                        </p:attrNameLst>
+                                      </p:cBhvr>
+                                      <p:rCtr x="-9206" y="-46"/>
+                                    </p:animMotion>
+                                  </p:childTnLst>
+                                </p:cTn>
+                              </p:par>
+                            </p:childTnLst>
+                          </p:cTn>
+                        </p:par>
+                        <p:par>
+                          <p:cTn id="42" fill="hold">
+                            <p:stCondLst>
+                              <p:cond delay="3000"/>
+                            </p:stCondLst>
+                            <p:childTnLst>
+                              <p:par>
+                                <p:cTn id="43" presetID="0" presetClass="path" presetSubtype="0" accel="50000" decel="50000" fill="hold" grpId="0" nodeType="afterEffect">
+                                  <p:stCondLst>
+                                    <p:cond delay="0"/>
+                                  </p:stCondLst>
+                                  <p:childTnLst>
+                                    <p:animMotion origin="layout" path="M -3.95833E-6 4.81481E-6 L -0.18385 0.00069 " pathEditMode="relative" rAng="0" ptsTypes="AA">
+                                      <p:cBhvr>
+                                        <p:cTn id="44" dur="1500" fill="hold"/>
+                                        <p:tgtEl>
+                                          <p:spTgt spid="6"/>
+                                        </p:tgtEl>
+                                        <p:attrNameLst>
+                                          <p:attrName>ppt_x</p:attrName>
+                                          <p:attrName>ppt_y</p:attrName>
+                                        </p:attrNameLst>
+                                      </p:cBhvr>
+                                      <p:rCtr x="-9245" y="139"/>
+                                    </p:animMotion>
+                                  </p:childTnLst>
+                                </p:cTn>
+                              </p:par>
+                              <p:par>
+                                <p:cTn id="45" presetID="0" presetClass="path" presetSubtype="0" accel="50000" decel="50000" fill="hold" grpId="0" nodeType="withEffect">
+                                  <p:stCondLst>
+                                    <p:cond delay="0"/>
+                                  </p:stCondLst>
+                                  <p:childTnLst>
+                                    <p:animMotion origin="layout" path="M 2.5E-6 -3.33333E-6 L 0.1845 0.0007 " pathEditMode="relative" rAng="0" ptsTypes="AA">
+                                      <p:cBhvr>
+                                        <p:cTn id="46" dur="1500" fill="hold"/>
+                                        <p:tgtEl>
+                                          <p:spTgt spid="8"/>
+                                        </p:tgtEl>
+                                        <p:attrNameLst>
+                                          <p:attrName>ppt_x</p:attrName>
+                                          <p:attrName>ppt_y</p:attrName>
+                                        </p:attrNameLst>
+                                      </p:cBhvr>
+                                      <p:rCtr x="9219" y="23"/>
+                                    </p:animMotion>
+                                  </p:childTnLst>
+                                </p:cTn>
+                              </p:par>
+                            </p:childTnLst>
+                          </p:cTn>
+                        </p:par>
+                      </p:childTnLst>
+                    </p:cTn>
+                  </p:par>
+                </p:childTnLst>
+              </p:cTn>
+              <p:prevCondLst>
+                <p:cond evt="onPrev" delay="0">
+                  <p:tgtEl>
+                    <p:sldTgt/>
+                  </p:tgtEl>
+                </p:cond>
+              </p:prevCondLst>
+              <p:nextCondLst>
+                <p:cond evt="onNext" delay="0">
+                  <p:tgtEl>
+                    <p:sldTgt/>
+                  </p:tgtEl>
+                </p:cond>
+              </p:nextCondLst>
+            </p:seq>
+          </p:childTnLst>
+        </p:cTn>
+      </p:par>
+    </p:tnLst>
+    <p:bldLst>
+      <p:bldP spid="11" grpId="0" animBg="1"/>
+      <p:bldP spid="5" grpId="0" animBg="1"/>
+      <p:bldP spid="8" grpId="0" animBg="1"/>
+      <p:bldP spid="6" grpId="0" animBg="1"/>
+    </p:bldLst>
+  </p:timing>
+</p:sld>
+</file>
+
+<file path=ppt/slides/slide3.xml><?xml version="1.0" encoding="utf-8"?>
+<p:sld xmlns:a="http://schemas.openxmlformats.org/drawingml/2006/main" xmlns:r="http://schemas.openxmlformats.org/officeDocument/2006/relationships" xmlns:p="http://schemas.openxmlformats.org/presentationml/2006/main">
+  <p:cSld>
+    <p:spTree>
+      <p:nvGrpSpPr>
+        <p:cNvPr id="1" name=""/>
+        <p:cNvGrpSpPr/>
+        <p:nvPr/>
+      </p:nvGrpSpPr>
+      <p:grpSpPr>
+        <a:xfrm>
+          <a:off x="0" y="0"/>
+          <a:ext cx="0" cy="0"/>
+          <a:chOff x="0" y="0"/>
+          <a:chExt cx="0" cy="0"/>
+        </a:xfrm>
+      </p:grpSpPr>
+      <p:sp>
+        <p:nvSpPr>
+          <p:cNvPr id="9" name="矩形 8">
+            <a:extLst>
+              <a:ext uri="{FF2B5EF4-FFF2-40B4-BE49-F238E27FC236}">
+                <a16:creationId xmlns:a16="http://schemas.microsoft.com/office/drawing/2014/main" id="{59A4F5B0-1997-954E-B46C-1A54B42ED514}"/>
+              </a:ext>
+            </a:extLst>
+          </p:cNvPr>
+          <p:cNvSpPr/>
+          <p:nvPr/>
+        </p:nvSpPr>
+        <p:spPr>
+          <a:xfrm>
+            <a:off x="8498542" y="2465294"/>
+            <a:ext cx="600635" cy="3720352"/>
+          </a:xfrm>
+          <a:prstGeom prst="rect">
+            <a:avLst/>
+          </a:prstGeom>
+          <a:solidFill>
+            <a:srgbClr val="DBE9FD"/>
+          </a:solidFill>
+          <a:ln w="19050">
+            <a:solidFill>
+              <a:srgbClr val="6C8EBF"/>
+            </a:solidFill>
+          </a:ln>
+        </p:spPr>
+        <p:style>
+          <a:lnRef idx="2">
+            <a:schemeClr val="accent1">
+              <a:shade val="50000"/>
+            </a:schemeClr>
+          </a:lnRef>
+          <a:fillRef idx="1">
+            <a:schemeClr val="accent1"/>
+          </a:fillRef>
+          <a:effectRef idx="0">
+            <a:schemeClr val="accent1"/>
+          </a:effectRef>
+          <a:fontRef idx="minor">
+            <a:schemeClr val="lt1"/>
+          </a:fontRef>
+        </p:style>
+        <p:txBody>
+          <a:bodyPr rtlCol="0" anchor="ctr"/>
+          <a:lstStyle/>
+          <a:p>
+            <a:pPr algn="ctr"/>
+            <a:r>
+              <a:rPr kumimoji="1" lang="en-US" altLang="zh-CN" dirty="0">
+                <a:solidFill>
+                  <a:schemeClr val="tx1"/>
+                </a:solidFill>
+              </a:rPr>
+              <a:t>9</a:t>
+            </a:r>
+            <a:endParaRPr kumimoji="1" lang="zh-CN" altLang="en-US" dirty="0">
+              <a:solidFill>
+                <a:schemeClr val="tx1"/>
+              </a:solidFill>
+            </a:endParaRPr>
+          </a:p>
+        </p:txBody>
+      </p:sp>
+      <p:sp>
+        <p:nvSpPr>
+          <p:cNvPr id="10" name="矩形 9">
+            <a:extLst>
+              <a:ext uri="{FF2B5EF4-FFF2-40B4-BE49-F238E27FC236}">
+                <a16:creationId xmlns:a16="http://schemas.microsoft.com/office/drawing/2014/main" id="{6812B9DA-91DC-C34D-B4D5-DDA5DA08FE2C}"/>
+              </a:ext>
+            </a:extLst>
+          </p:cNvPr>
+          <p:cNvSpPr/>
+          <p:nvPr/>
+        </p:nvSpPr>
+        <p:spPr>
+          <a:xfrm>
+            <a:off x="9622116" y="2985247"/>
+            <a:ext cx="600635" cy="3200400"/>
+          </a:xfrm>
+          <a:prstGeom prst="rect">
+            <a:avLst/>
+          </a:prstGeom>
+          <a:solidFill>
+            <a:srgbClr val="DBE9FD"/>
+          </a:solidFill>
+          <a:ln w="19050">
+            <a:solidFill>
+              <a:srgbClr val="6C8EBF"/>
+            </a:solidFill>
+          </a:ln>
+        </p:spPr>
+        <p:style>
+          <a:lnRef idx="2">
+            <a:schemeClr val="accent1">
+              <a:shade val="50000"/>
+            </a:schemeClr>
+          </a:lnRef>
+          <a:fillRef idx="1">
+            <a:schemeClr val="accent1"/>
+          </a:fillRef>
+          <a:effectRef idx="0">
+            <a:schemeClr val="accent1"/>
+          </a:effectRef>
+          <a:fontRef idx="minor">
+            <a:schemeClr val="lt1"/>
+          </a:fontRef>
+        </p:style>
+        <p:txBody>
+          <a:bodyPr rtlCol="0" anchor="ctr"/>
+          <a:lstStyle/>
+          <a:p>
+            <a:pPr algn="ctr"/>
+            <a:r>
+              <a:rPr kumimoji="1" lang="en-US" altLang="zh-CN" dirty="0">
+                <a:solidFill>
+                  <a:schemeClr val="tx1"/>
+                </a:solidFill>
+              </a:rPr>
+              <a:t>8</a:t>
+            </a:r>
+            <a:endParaRPr kumimoji="1" lang="zh-CN" altLang="en-US" dirty="0">
+              <a:solidFill>
+                <a:schemeClr val="tx1"/>
+              </a:solidFill>
+            </a:endParaRPr>
+          </a:p>
+        </p:txBody>
+      </p:sp>
+      <p:sp>
+        <p:nvSpPr>
+          <p:cNvPr id="11" name="矩形 10">
+            <a:extLst>
+              <a:ext uri="{FF2B5EF4-FFF2-40B4-BE49-F238E27FC236}">
+                <a16:creationId xmlns:a16="http://schemas.microsoft.com/office/drawing/2014/main" id="{704900AC-5E61-8244-9381-82FD66101EE6}"/>
+              </a:ext>
+            </a:extLst>
+          </p:cNvPr>
+          <p:cNvSpPr/>
+          <p:nvPr/>
+        </p:nvSpPr>
+        <p:spPr>
+          <a:xfrm>
+            <a:off x="4004216" y="5190563"/>
+            <a:ext cx="600635" cy="995083"/>
+          </a:xfrm>
+          <a:prstGeom prst="rect">
+            <a:avLst/>
+          </a:prstGeom>
+          <a:solidFill>
+            <a:srgbClr val="DBE9FD"/>
+          </a:solidFill>
+          <a:ln w="19050">
+            <a:solidFill>
+              <a:srgbClr val="6C8EBF"/>
+            </a:solidFill>
+          </a:ln>
+        </p:spPr>
+        <p:style>
+          <a:lnRef idx="2">
+            <a:schemeClr val="accent1">
+              <a:shade val="50000"/>
+            </a:schemeClr>
+          </a:lnRef>
+          <a:fillRef idx="1">
+            <a:schemeClr val="accent1"/>
+          </a:fillRef>
+          <a:effectRef idx="0">
+            <a:schemeClr val="accent1"/>
+          </a:effectRef>
+          <a:fontRef idx="minor">
+            <a:schemeClr val="lt1"/>
+          </a:fontRef>
+        </p:style>
+        <p:txBody>
+          <a:bodyPr rtlCol="0" anchor="ctr"/>
+          <a:lstStyle/>
+          <a:p>
+            <a:pPr algn="ctr"/>
+            <a:r>
+              <a:rPr kumimoji="1" lang="en-US" altLang="zh-CN" dirty="0">
+                <a:solidFill>
+                  <a:schemeClr val="tx1"/>
+                </a:solidFill>
+              </a:rPr>
+              <a:t>2</a:t>
+            </a:r>
+            <a:endParaRPr kumimoji="1" lang="zh-CN" altLang="en-US" dirty="0">
+              <a:solidFill>
+                <a:schemeClr val="tx1"/>
+              </a:solidFill>
+            </a:endParaRPr>
+          </a:p>
+        </p:txBody>
+      </p:sp>
+      <p:sp>
+        <p:nvSpPr>
+          <p:cNvPr id="4" name="矩形 3">
+            <a:extLst>
+              <a:ext uri="{FF2B5EF4-FFF2-40B4-BE49-F238E27FC236}">
+                <a16:creationId xmlns:a16="http://schemas.microsoft.com/office/drawing/2014/main" id="{49F75422-CA6D-F744-9517-A85CD891A33E}"/>
+              </a:ext>
+            </a:extLst>
+          </p:cNvPr>
+          <p:cNvSpPr/>
+          <p:nvPr/>
+        </p:nvSpPr>
+        <p:spPr>
+          <a:xfrm>
+            <a:off x="7374968" y="3429000"/>
+            <a:ext cx="600635" cy="2756646"/>
+          </a:xfrm>
+          <a:prstGeom prst="rect">
+            <a:avLst/>
+          </a:prstGeom>
+          <a:solidFill>
+            <a:srgbClr val="DBE9FD"/>
+          </a:solidFill>
+          <a:ln w="19050">
+            <a:solidFill>
+              <a:srgbClr val="6C8EBF"/>
+            </a:solidFill>
+          </a:ln>
+        </p:spPr>
+        <p:style>
+          <a:lnRef idx="2">
+            <a:schemeClr val="accent1">
+              <a:shade val="50000"/>
+            </a:schemeClr>
+          </a:lnRef>
+          <a:fillRef idx="1">
+            <a:schemeClr val="accent1"/>
+          </a:fillRef>
+          <a:effectRef idx="0">
+            <a:schemeClr val="accent1"/>
+          </a:effectRef>
+          <a:fontRef idx="minor">
+            <a:schemeClr val="lt1"/>
+          </a:fontRef>
+        </p:style>
+        <p:txBody>
+          <a:bodyPr rtlCol="0" anchor="ctr"/>
+          <a:lstStyle/>
+          <a:p>
+            <a:pPr algn="ctr"/>
+            <a:r>
+              <a:rPr kumimoji="1" lang="en-US" altLang="zh-CN" dirty="0">
+                <a:solidFill>
+                  <a:schemeClr val="tx1"/>
+                </a:solidFill>
+              </a:rPr>
+              <a:t>6</a:t>
+            </a:r>
+            <a:endParaRPr kumimoji="1" lang="zh-CN" altLang="en-US" dirty="0">
+              <a:solidFill>
+                <a:schemeClr val="tx1"/>
+              </a:solidFill>
+            </a:endParaRPr>
+          </a:p>
+        </p:txBody>
+      </p:sp>
+      <p:sp>
+        <p:nvSpPr>
+          <p:cNvPr id="7" name="矩形 6">
+            <a:extLst>
+              <a:ext uri="{FF2B5EF4-FFF2-40B4-BE49-F238E27FC236}">
+                <a16:creationId xmlns:a16="http://schemas.microsoft.com/office/drawing/2014/main" id="{13658B0D-38D6-ED45-A516-BDE6A9013293}"/>
+              </a:ext>
+            </a:extLst>
+          </p:cNvPr>
+          <p:cNvSpPr/>
+          <p:nvPr/>
+        </p:nvSpPr>
+        <p:spPr>
+          <a:xfrm>
+            <a:off x="1757082" y="5576047"/>
+            <a:ext cx="600635" cy="609599"/>
+          </a:xfrm>
+          <a:prstGeom prst="rect">
+            <a:avLst/>
+          </a:prstGeom>
+          <a:solidFill>
+            <a:srgbClr val="DBE9FD"/>
+          </a:solidFill>
+          <a:ln w="19050">
+            <a:solidFill>
+              <a:srgbClr val="6C8EBF"/>
+            </a:solidFill>
+          </a:ln>
+        </p:spPr>
+        <p:style>
+          <a:lnRef idx="2">
+            <a:schemeClr val="accent1">
+              <a:shade val="50000"/>
+            </a:schemeClr>
+          </a:lnRef>
+          <a:fillRef idx="1">
+            <a:schemeClr val="accent1"/>
+          </a:fillRef>
+          <a:effectRef idx="0">
+            <a:schemeClr val="accent1"/>
+          </a:effectRef>
+          <a:fontRef idx="minor">
+            <a:schemeClr val="lt1"/>
+          </a:fontRef>
+        </p:style>
+        <p:txBody>
+          <a:bodyPr rtlCol="0" anchor="ctr"/>
+          <a:lstStyle/>
+          <a:p>
+            <a:pPr algn="ctr"/>
+            <a:r>
+              <a:rPr kumimoji="1" lang="en-US" altLang="zh-CN" dirty="0">
+                <a:solidFill>
+                  <a:schemeClr val="tx1"/>
+                </a:solidFill>
+              </a:rPr>
+              <a:t>1</a:t>
+            </a:r>
+            <a:endParaRPr kumimoji="1" lang="zh-CN" altLang="en-US" dirty="0">
+              <a:solidFill>
+                <a:schemeClr val="tx1"/>
+              </a:solidFill>
+            </a:endParaRPr>
+          </a:p>
+        </p:txBody>
+      </p:sp>
+      <p:sp>
+        <p:nvSpPr>
+          <p:cNvPr id="5" name="矩形 4">
+            <a:extLst>
+              <a:ext uri="{FF2B5EF4-FFF2-40B4-BE49-F238E27FC236}">
+                <a16:creationId xmlns:a16="http://schemas.microsoft.com/office/drawing/2014/main" id="{B07BC9ED-F135-D247-952D-A7B6FE2F81C4}"/>
+              </a:ext>
+            </a:extLst>
+          </p:cNvPr>
+          <p:cNvSpPr/>
+          <p:nvPr/>
+        </p:nvSpPr>
+        <p:spPr>
+          <a:xfrm>
+            <a:off x="6251384" y="4805082"/>
+            <a:ext cx="600635" cy="1380564"/>
+          </a:xfrm>
+          <a:prstGeom prst="rect">
+            <a:avLst/>
+          </a:prstGeom>
+          <a:solidFill>
+            <a:srgbClr val="DBE9FD"/>
+          </a:solidFill>
+          <a:ln w="19050">
+            <a:solidFill>
+              <a:srgbClr val="6C8EBF"/>
+            </a:solidFill>
+          </a:ln>
+        </p:spPr>
+        <p:style>
+          <a:lnRef idx="2">
+            <a:schemeClr val="accent1">
+              <a:shade val="50000"/>
+            </a:schemeClr>
+          </a:lnRef>
+          <a:fillRef idx="1">
+            <a:schemeClr val="accent1"/>
+          </a:fillRef>
+          <a:effectRef idx="0">
+            <a:schemeClr val="accent1"/>
+          </a:effectRef>
+          <a:fontRef idx="minor">
+            <a:schemeClr val="lt1"/>
+          </a:fontRef>
+        </p:style>
+        <p:txBody>
+          <a:bodyPr rtlCol="0" anchor="ctr"/>
+          <a:lstStyle/>
+          <a:p>
+            <a:pPr algn="ctr"/>
+            <a:r>
+              <a:rPr kumimoji="1" lang="en-US" altLang="zh-CN" dirty="0">
+                <a:solidFill>
+                  <a:schemeClr val="tx1"/>
+                </a:solidFill>
+              </a:rPr>
+              <a:t>3</a:t>
+            </a:r>
+            <a:endParaRPr kumimoji="1" lang="zh-CN" altLang="en-US" dirty="0">
+              <a:solidFill>
+                <a:schemeClr val="tx1"/>
+              </a:solidFill>
+            </a:endParaRPr>
+          </a:p>
+        </p:txBody>
+      </p:sp>
+      <p:sp>
+        <p:nvSpPr>
+          <p:cNvPr id="8" name="矩形 7">
+            <a:extLst>
+              <a:ext uri="{FF2B5EF4-FFF2-40B4-BE49-F238E27FC236}">
+                <a16:creationId xmlns:a16="http://schemas.microsoft.com/office/drawing/2014/main" id="{2BA4C5BF-11D7-6E4B-873D-AC5F6CD48BB4}"/>
+              </a:ext>
+            </a:extLst>
+          </p:cNvPr>
+          <p:cNvSpPr/>
+          <p:nvPr/>
+        </p:nvSpPr>
+        <p:spPr>
+          <a:xfrm>
+            <a:off x="5127800" y="3872753"/>
+            <a:ext cx="600635" cy="2312893"/>
+          </a:xfrm>
+          <a:prstGeom prst="rect">
+            <a:avLst/>
+          </a:prstGeom>
+          <a:solidFill>
+            <a:srgbClr val="DBE9FD"/>
+          </a:solidFill>
+          <a:ln w="19050">
+            <a:solidFill>
+              <a:srgbClr val="6C8EBF"/>
+            </a:solidFill>
+          </a:ln>
+        </p:spPr>
+        <p:style>
+          <a:lnRef idx="2">
+            <a:schemeClr val="accent1">
+              <a:shade val="50000"/>
+            </a:schemeClr>
+          </a:lnRef>
+          <a:fillRef idx="1">
+            <a:schemeClr val="accent1"/>
+          </a:fillRef>
+          <a:effectRef idx="0">
+            <a:schemeClr val="accent1"/>
+          </a:effectRef>
+          <a:fontRef idx="minor">
+            <a:schemeClr val="lt1"/>
+          </a:fontRef>
+        </p:style>
+        <p:txBody>
+          <a:bodyPr rtlCol="0" anchor="ctr"/>
+          <a:lstStyle/>
+          <a:p>
+            <a:pPr algn="ctr"/>
+            <a:r>
+              <a:rPr kumimoji="1" lang="en-US" altLang="zh-CN" dirty="0">
+                <a:solidFill>
+                  <a:schemeClr val="tx1"/>
+                </a:solidFill>
+              </a:rPr>
+              <a:t>5</a:t>
+            </a:r>
+            <a:endParaRPr kumimoji="1" lang="zh-CN" altLang="en-US" dirty="0">
+              <a:solidFill>
+                <a:schemeClr val="tx1"/>
+              </a:solidFill>
+            </a:endParaRPr>
+          </a:p>
+        </p:txBody>
+      </p:sp>
+      <p:sp>
+        <p:nvSpPr>
+          <p:cNvPr id="6" name="矩形 5">
+            <a:extLst>
+              <a:ext uri="{FF2B5EF4-FFF2-40B4-BE49-F238E27FC236}">
+                <a16:creationId xmlns:a16="http://schemas.microsoft.com/office/drawing/2014/main" id="{48577139-A61D-7D43-97A8-64011985115F}"/>
+              </a:ext>
+            </a:extLst>
+          </p:cNvPr>
+          <p:cNvSpPr/>
+          <p:nvPr/>
+        </p:nvSpPr>
+        <p:spPr>
+          <a:xfrm>
+            <a:off x="2880642" y="4356847"/>
+            <a:ext cx="600635" cy="1828799"/>
+          </a:xfrm>
+          <a:prstGeom prst="rect">
+            <a:avLst/>
+          </a:prstGeom>
+          <a:solidFill>
+            <a:srgbClr val="DBE9FD"/>
+          </a:solidFill>
+          <a:ln w="19050">
+            <a:solidFill>
+              <a:srgbClr val="6C8EBF"/>
+            </a:solidFill>
+          </a:ln>
+        </p:spPr>
+        <p:style>
+          <a:lnRef idx="2">
+            <a:schemeClr val="accent1">
+              <a:shade val="50000"/>
+            </a:schemeClr>
+          </a:lnRef>
+          <a:fillRef idx="1">
+            <a:schemeClr val="accent1"/>
+          </a:fillRef>
+          <a:effectRef idx="0">
+            <a:schemeClr val="accent1"/>
+          </a:effectRef>
+          <a:fontRef idx="minor">
+            <a:schemeClr val="lt1"/>
+          </a:fontRef>
+        </p:style>
+        <p:txBody>
+          <a:bodyPr rtlCol="0" anchor="ctr"/>
+          <a:lstStyle/>
+          <a:p>
+            <a:pPr algn="ctr"/>
+            <a:r>
+              <a:rPr kumimoji="1" lang="en-US" altLang="zh-CN" dirty="0">
+                <a:solidFill>
+                  <a:schemeClr val="tx1"/>
+                </a:solidFill>
+              </a:rPr>
+              <a:t>4</a:t>
+            </a:r>
+            <a:endParaRPr kumimoji="1" lang="zh-CN" altLang="en-US" dirty="0">
+              <a:solidFill>
+                <a:schemeClr val="tx1"/>
+              </a:solidFill>
+            </a:endParaRPr>
+          </a:p>
+        </p:txBody>
+      </p:sp>
+    </p:spTree>
+    <p:extLst>
+      <p:ext uri="{BB962C8B-B14F-4D97-AF65-F5344CB8AC3E}">
+        <p14:creationId xmlns:p14="http://schemas.microsoft.com/office/powerpoint/2010/main" val="3659053160"/>
+      </p:ext>
+    </p:extLst>
+  </p:cSld>
+  <p:clrMapOvr>
+    <a:masterClrMapping/>
+  </p:clrMapOvr>
+  <p:timing>
+    <p:tnLst>
+      <p:par>
+        <p:cTn id="1" dur="indefinite" restart="never" nodeType="tmRoot">
+          <p:childTnLst>
+            <p:seq concurrent="1" nextAc="seek">
+              <p:cTn id="2" dur="indefinite" nodeType="mainSeq">
+                <p:childTnLst>
+                  <p:par>
+                    <p:cTn id="3" fill="hold">
+                      <p:stCondLst>
+                        <p:cond delay="indefinite"/>
+                      </p:stCondLst>
+                      <p:childTnLst>
+                        <p:par>
+                          <p:cTn id="4" fill="hold">
+                            <p:stCondLst>
+                              <p:cond delay="0"/>
+                            </p:stCondLst>
+                            <p:childTnLst>
+                              <p:par>
+                                <p:cTn id="5" presetID="1" presetClass="emph" presetSubtype="2" fill="hold" nodeType="clickEffect">
+                                  <p:stCondLst>
+                                    <p:cond delay="0"/>
+                                  </p:stCondLst>
+                                  <p:childTnLst>
+                                    <p:animClr clrSpc="rgb" dir="cw">
+                                      <p:cBhvr>
+                                        <p:cTn id="6" dur="1500" fill="hold"/>
+                                        <p:tgtEl>
+                                          <p:spTgt spid="9"/>
+                                        </p:tgtEl>
+                                        <p:attrNameLst>
+                                          <p:attrName>fillcolor</p:attrName>
+                                        </p:attrNameLst>
+                                      </p:cBhvr>
+                                      <p:to>
+                                        <a:srgbClr val="FEE7CC"/>
+                                      </p:to>
+                                    </p:animClr>
+                                    <p:set>
+                                      <p:cBhvr>
+                                        <p:cTn id="7" dur="1500" fill="hold"/>
+                                        <p:tgtEl>
+                                          <p:spTgt spid="9"/>
+                                        </p:tgtEl>
+                                        <p:attrNameLst>
+                                          <p:attrName>fill.type</p:attrName>
+                                        </p:attrNameLst>
+                                      </p:cBhvr>
+                                      <p:to>
+                                        <p:strVal val="solid"/>
+                                      </p:to>
+                                    </p:set>
+                                    <p:set>
+                                      <p:cBhvr>
+                                        <p:cTn id="8" dur="1500" fill="hold"/>
+                                        <p:tgtEl>
+                                          <p:spTgt spid="9"/>
+                                        </p:tgtEl>
+                                        <p:attrNameLst>
+                                          <p:attrName>fill.on</p:attrName>
+                                        </p:attrNameLst>
+                                      </p:cBhvr>
+                                      <p:to>
+                                        <p:strVal val="true"/>
+                                      </p:to>
+                                    </p:set>
+                                  </p:childTnLst>
+                                </p:cTn>
+                              </p:par>
+                              <p:par>
+                                <p:cTn id="9" presetID="1" presetClass="emph" presetSubtype="2" fill="hold" nodeType="withEffect">
+                                  <p:stCondLst>
+                                    <p:cond delay="0"/>
+                                  </p:stCondLst>
+                                  <p:childTnLst>
+                                    <p:animClr clrSpc="rgb" dir="cw">
+                                      <p:cBhvr>
+                                        <p:cTn id="10" dur="1500" fill="hold"/>
+                                        <p:tgtEl>
+                                          <p:spTgt spid="10"/>
+                                        </p:tgtEl>
+                                        <p:attrNameLst>
+                                          <p:attrName>fillcolor</p:attrName>
+                                        </p:attrNameLst>
+                                      </p:cBhvr>
+                                      <p:to>
+                                        <a:srgbClr val="FEE7CC"/>
+                                      </p:to>
+                                    </p:animClr>
+                                    <p:set>
+                                      <p:cBhvr>
+                                        <p:cTn id="11" dur="1500" fill="hold"/>
+                                        <p:tgtEl>
+                                          <p:spTgt spid="10"/>
+                                        </p:tgtEl>
+                                        <p:attrNameLst>
+                                          <p:attrName>fill.type</p:attrName>
+                                        </p:attrNameLst>
+                                      </p:cBhvr>
+                                      <p:to>
+                                        <p:strVal val="solid"/>
+                                      </p:to>
+                                    </p:set>
+                                    <p:set>
+                                      <p:cBhvr>
+                                        <p:cTn id="12" dur="1500" fill="hold"/>
+                                        <p:tgtEl>
+                                          <p:spTgt spid="10"/>
+                                        </p:tgtEl>
+                                        <p:attrNameLst>
+                                          <p:attrName>fill.on</p:attrName>
+                                        </p:attrNameLst>
+                                      </p:cBhvr>
+                                      <p:to>
+                                        <p:strVal val="true"/>
+                                      </p:to>
+                                    </p:set>
+                                  </p:childTnLst>
+                                </p:cTn>
+                              </p:par>
+                              <p:par>
+                                <p:cTn id="13" presetID="1" presetClass="emph" presetSubtype="2" fill="hold" nodeType="withEffect">
+                                  <p:stCondLst>
+                                    <p:cond delay="0"/>
+                                  </p:stCondLst>
+                                  <p:childTnLst>
+                                    <p:animClr clrSpc="rgb" dir="cw">
+                                      <p:cBhvr>
+                                        <p:cTn id="14" dur="1500" fill="hold"/>
+                                        <p:tgtEl>
+                                          <p:spTgt spid="11"/>
+                                        </p:tgtEl>
+                                        <p:attrNameLst>
+                                          <p:attrName>fillcolor</p:attrName>
+                                        </p:attrNameLst>
+                                      </p:cBhvr>
+                                      <p:to>
+                                        <a:srgbClr val="FEE7CC"/>
+                                      </p:to>
+                                    </p:animClr>
+                                    <p:set>
+                                      <p:cBhvr>
+                                        <p:cTn id="15" dur="1500" fill="hold"/>
+                                        <p:tgtEl>
+                                          <p:spTgt spid="11"/>
+                                        </p:tgtEl>
+                                        <p:attrNameLst>
+                                          <p:attrName>fill.type</p:attrName>
+                                        </p:attrNameLst>
+                                      </p:cBhvr>
+                                      <p:to>
+                                        <p:strVal val="solid"/>
+                                      </p:to>
+                                    </p:set>
+                                    <p:set>
+                                      <p:cBhvr>
+                                        <p:cTn id="16" dur="1500" fill="hold"/>
+                                        <p:tgtEl>
+                                          <p:spTgt spid="11"/>
+                                        </p:tgtEl>
+                                        <p:attrNameLst>
+                                          <p:attrName>fill.on</p:attrName>
+                                        </p:attrNameLst>
+                                      </p:cBhvr>
+                                      <p:to>
+                                        <p:strVal val="true"/>
+                                      </p:to>
+                                    </p:set>
+                                  </p:childTnLst>
+                                </p:cTn>
+                              </p:par>
+                              <p:par>
+                                <p:cTn id="17" presetID="1" presetClass="emph" presetSubtype="2" fill="hold" nodeType="withEffect">
+                                  <p:stCondLst>
+                                    <p:cond delay="0"/>
+                                  </p:stCondLst>
+                                  <p:childTnLst>
+                                    <p:animClr clrSpc="rgb" dir="cw">
+                                      <p:cBhvr>
+                                        <p:cTn id="18" dur="1500" fill="hold"/>
+                                        <p:tgtEl>
+                                          <p:spTgt spid="4"/>
+                                        </p:tgtEl>
+                                        <p:attrNameLst>
+                                          <p:attrName>fillcolor</p:attrName>
+                                        </p:attrNameLst>
+                                      </p:cBhvr>
+                                      <p:to>
+                                        <a:srgbClr val="FEE7CC"/>
+                                      </p:to>
+                                    </p:animClr>
+                                    <p:set>
+                                      <p:cBhvr>
+                                        <p:cTn id="19" dur="1500" fill="hold"/>
+                                        <p:tgtEl>
+                                          <p:spTgt spid="4"/>
+                                        </p:tgtEl>
+                                        <p:attrNameLst>
+                                          <p:attrName>fill.type</p:attrName>
+                                        </p:attrNameLst>
+                                      </p:cBhvr>
+                                      <p:to>
+                                        <p:strVal val="solid"/>
+                                      </p:to>
+                                    </p:set>
+                                    <p:set>
+                                      <p:cBhvr>
+                                        <p:cTn id="20" dur="1500" fill="hold"/>
+                                        <p:tgtEl>
+                                          <p:spTgt spid="4"/>
+                                        </p:tgtEl>
+                                        <p:attrNameLst>
+                                          <p:attrName>fill.on</p:attrName>
+                                        </p:attrNameLst>
+                                      </p:cBhvr>
+                                      <p:to>
+                                        <p:strVal val="true"/>
+                                      </p:to>
+                                    </p:set>
+                                  </p:childTnLst>
+                                </p:cTn>
+                              </p:par>
+                              <p:par>
+                                <p:cTn id="21" presetID="1" presetClass="emph" presetSubtype="2" fill="hold" nodeType="withEffect">
+                                  <p:stCondLst>
+                                    <p:cond delay="0"/>
+                                  </p:stCondLst>
+                                  <p:childTnLst>
+                                    <p:animClr clrSpc="rgb" dir="cw">
+                                      <p:cBhvr>
+                                        <p:cTn id="22" dur="1500" fill="hold"/>
+                                        <p:tgtEl>
+                                          <p:spTgt spid="7"/>
+                                        </p:tgtEl>
+                                        <p:attrNameLst>
+                                          <p:attrName>fillcolor</p:attrName>
+                                        </p:attrNameLst>
+                                      </p:cBhvr>
+                                      <p:to>
+                                        <a:srgbClr val="FEE7CC"/>
+                                      </p:to>
+                                    </p:animClr>
+                                    <p:set>
+                                      <p:cBhvr>
+                                        <p:cTn id="23" dur="1500" fill="hold"/>
+                                        <p:tgtEl>
+                                          <p:spTgt spid="7"/>
+                                        </p:tgtEl>
+                                        <p:attrNameLst>
+                                          <p:attrName>fill.type</p:attrName>
+                                        </p:attrNameLst>
+                                      </p:cBhvr>
+                                      <p:to>
+                                        <p:strVal val="solid"/>
+                                      </p:to>
+                                    </p:set>
+                                    <p:set>
+                                      <p:cBhvr>
+                                        <p:cTn id="24" dur="1500" fill="hold"/>
+                                        <p:tgtEl>
+                                          <p:spTgt spid="7"/>
+                                        </p:tgtEl>
+                                        <p:attrNameLst>
+                                          <p:attrName>fill.on</p:attrName>
+                                        </p:attrNameLst>
+                                      </p:cBhvr>
+                                      <p:to>
+                                        <p:strVal val="true"/>
+                                      </p:to>
+                                    </p:set>
+                                  </p:childTnLst>
+                                </p:cTn>
+                              </p:par>
+                              <p:par>
+                                <p:cTn id="25" presetID="1" presetClass="emph" presetSubtype="2" fill="hold" grpId="0" nodeType="withEffect">
+                                  <p:stCondLst>
+                                    <p:cond delay="0"/>
+                                  </p:stCondLst>
+                                  <p:childTnLst>
+                                    <p:animClr clrSpc="rgb" dir="cw">
+                                      <p:cBhvr>
+                                        <p:cTn id="26" dur="2000" fill="hold"/>
+                                        <p:tgtEl>
+                                          <p:spTgt spid="5"/>
+                                        </p:tgtEl>
+                                        <p:attrNameLst>
+                                          <p:attrName>fillcolor</p:attrName>
+                                        </p:attrNameLst>
+                                      </p:cBhvr>
+                                      <p:to>
+                                        <a:srgbClr val="FEE7CC"/>
+                                      </p:to>
+                                    </p:animClr>
+                                    <p:set>
+                                      <p:cBhvr>
+                                        <p:cTn id="27" dur="2000" fill="hold"/>
+                                        <p:tgtEl>
+                                          <p:spTgt spid="5"/>
+                                        </p:tgtEl>
+                                        <p:attrNameLst>
+                                          <p:attrName>fill.type</p:attrName>
+                                        </p:attrNameLst>
+                                      </p:cBhvr>
+                                      <p:to>
+                                        <p:strVal val="solid"/>
+                                      </p:to>
+                                    </p:set>
+                                    <p:set>
+                                      <p:cBhvr>
+                                        <p:cTn id="28" dur="2000" fill="hold"/>
+                                        <p:tgtEl>
+                                          <p:spTgt spid="5"/>
+                                        </p:tgtEl>
+                                        <p:attrNameLst>
+                                          <p:attrName>fill.on</p:attrName>
+                                        </p:attrNameLst>
+                                      </p:cBhvr>
+                                      <p:to>
+                                        <p:strVal val="true"/>
+                                      </p:to>
+                                    </p:set>
+                                  </p:childTnLst>
+                                </p:cTn>
+                              </p:par>
+                              <p:par>
+                                <p:cTn id="29" presetID="1" presetClass="emph" presetSubtype="2" fill="hold" nodeType="withEffect">
+                                  <p:stCondLst>
+                                    <p:cond delay="0"/>
+                                  </p:stCondLst>
+                                  <p:childTnLst>
+                                    <p:animClr clrSpc="rgb" dir="cw">
+                                      <p:cBhvr>
+                                        <p:cTn id="30" dur="1500" fill="hold"/>
+                                        <p:tgtEl>
+                                          <p:spTgt spid="6"/>
+                                        </p:tgtEl>
+                                        <p:attrNameLst>
+                                          <p:attrName>fillcolor</p:attrName>
+                                        </p:attrNameLst>
+                                      </p:cBhvr>
+                                      <p:to>
+                                        <a:srgbClr val="FEE7CC"/>
+                                      </p:to>
+                                    </p:animClr>
+                                    <p:set>
+                                      <p:cBhvr>
+                                        <p:cTn id="31" dur="1500" fill="hold"/>
+                                        <p:tgtEl>
+                                          <p:spTgt spid="6"/>
+                                        </p:tgtEl>
+                                        <p:attrNameLst>
+                                          <p:attrName>fill.type</p:attrName>
+                                        </p:attrNameLst>
+                                      </p:cBhvr>
+                                      <p:to>
+                                        <p:strVal val="solid"/>
+                                      </p:to>
+                                    </p:set>
+                                    <p:set>
+                                      <p:cBhvr>
+                                        <p:cTn id="32" dur="1500" fill="hold"/>
+                                        <p:tgtEl>
+                                          <p:spTgt spid="6"/>
+                                        </p:tgtEl>
+                                        <p:attrNameLst>
+                                          <p:attrName>fill.on</p:attrName>
+                                        </p:attrNameLst>
+                                      </p:cBhvr>
+                                      <p:to>
+                                        <p:strVal val="true"/>
+                                      </p:to>
+                                    </p:set>
+                                  </p:childTnLst>
+                                </p:cTn>
+                              </p:par>
+                              <p:par>
+                                <p:cTn id="33" presetID="1" presetClass="emph" presetSubtype="2" fill="hold" nodeType="withEffect">
+                                  <p:stCondLst>
+                                    <p:cond delay="0"/>
+                                  </p:stCondLst>
+                                  <p:childTnLst>
+                                    <p:animClr clrSpc="rgb" dir="cw">
+                                      <p:cBhvr>
+                                        <p:cTn id="34" dur="1500" fill="hold"/>
+                                        <p:tgtEl>
+                                          <p:spTgt spid="8"/>
+                                        </p:tgtEl>
+                                        <p:attrNameLst>
+                                          <p:attrName>fillcolor</p:attrName>
+                                        </p:attrNameLst>
+                                      </p:cBhvr>
+                                      <p:to>
+                                        <a:srgbClr val="FEE7CC"/>
+                                      </p:to>
+                                    </p:animClr>
+                                    <p:set>
+                                      <p:cBhvr>
+                                        <p:cTn id="35" dur="1500" fill="hold"/>
+                                        <p:tgtEl>
+                                          <p:spTgt spid="8"/>
+                                        </p:tgtEl>
+                                        <p:attrNameLst>
+                                          <p:attrName>fill.type</p:attrName>
+                                        </p:attrNameLst>
+                                      </p:cBhvr>
+                                      <p:to>
+                                        <p:strVal val="solid"/>
+                                      </p:to>
+                                    </p:set>
+                                    <p:set>
+                                      <p:cBhvr>
+                                        <p:cTn id="36" dur="1500" fill="hold"/>
+                                        <p:tgtEl>
+                                          <p:spTgt spid="8"/>
+                                        </p:tgtEl>
+                                        <p:attrNameLst>
+                                          <p:attrName>fill.on</p:attrName>
+                                        </p:attrNameLst>
+                                      </p:cBhvr>
+                                      <p:to>
+                                        <p:strVal val="true"/>
+                                      </p:to>
+                                    </p:set>
+                                  </p:childTnLst>
+                                </p:cTn>
+                              </p:par>
+                            </p:childTnLst>
+                          </p:cTn>
+                        </p:par>
+                        <p:par>
+                          <p:cTn id="37" fill="hold">
+                            <p:stCondLst>
+                              <p:cond delay="2000"/>
+                            </p:stCondLst>
+                            <p:childTnLst>
+                              <p:par>
+                                <p:cTn id="38" presetID="0" presetClass="path" presetSubtype="0" accel="50000" decel="50000" fill="hold" grpId="0" nodeType="afterEffect">
+                                  <p:stCondLst>
+                                    <p:cond delay="0"/>
+                                  </p:stCondLst>
+                                  <p:childTnLst>
+                                    <p:animMotion origin="layout" path="M 2.5E-6 -0.00139 L 0.1845 -0.00093 " pathEditMode="relative" rAng="0" ptsTypes="AA">
+                                      <p:cBhvr>
+                                        <p:cTn id="39" dur="1500" fill="hold"/>
+                                        <p:tgtEl>
+                                          <p:spTgt spid="6"/>
+                                        </p:tgtEl>
+                                        <p:attrNameLst>
+                                          <p:attrName>ppt_x</p:attrName>
+                                          <p:attrName>ppt_y</p:attrName>
+                                        </p:attrNameLst>
+                                      </p:cBhvr>
+                                      <p:rCtr x="9219" y="23"/>
+                                    </p:animMotion>
+                                  </p:childTnLst>
+                                </p:cTn>
+                              </p:par>
+                              <p:par>
+                                <p:cTn id="40" presetID="0" presetClass="path" presetSubtype="0" accel="50000" decel="50000" fill="hold" grpId="0" nodeType="withEffect">
+                                  <p:stCondLst>
+                                    <p:cond delay="0"/>
+                                  </p:stCondLst>
+                                  <p:childTnLst>
+                                    <p:animMotion origin="layout" path="M -4.79167E-6 1.85185E-6 L -0.09205 1.85185E-6 " pathEditMode="relative" rAng="0" ptsTypes="AA">
+                                      <p:cBhvr>
+                                        <p:cTn id="41" dur="1500" fill="hold"/>
+                                        <p:tgtEl>
+                                          <p:spTgt spid="11"/>
+                                        </p:tgtEl>
+                                        <p:attrNameLst>
+                                          <p:attrName>ppt_x</p:attrName>
+                                          <p:attrName>ppt_y</p:attrName>
+                                        </p:attrNameLst>
+                                      </p:cBhvr>
+                                      <p:rCtr x="-4609" y="0"/>
+                                    </p:animMotion>
+                                  </p:childTnLst>
+                                </p:cTn>
+                              </p:par>
+                              <p:par>
+                                <p:cTn id="42" presetID="0" presetClass="path" presetSubtype="0" accel="50000" decel="50000" fill="hold" grpId="1" nodeType="withEffect">
+                                  <p:stCondLst>
+                                    <p:cond delay="0"/>
+                                  </p:stCondLst>
+                                  <p:childTnLst>
+                                    <p:animMotion origin="layout" path="M -6.25E-7 1.11111E-6 L -0.18359 0.00231 " pathEditMode="relative" rAng="0" ptsTypes="AA">
+                                      <p:cBhvr>
+                                        <p:cTn id="43" dur="1500" fill="hold"/>
+                                        <p:tgtEl>
+                                          <p:spTgt spid="5"/>
+                                        </p:tgtEl>
+                                        <p:attrNameLst>
+                                          <p:attrName>ppt_x</p:attrName>
+                                          <p:attrName>ppt_y</p:attrName>
+                                        </p:attrNameLst>
+                                      </p:cBhvr>
+                                      <p:rCtr x="-9206" y="93"/>
+                                    </p:animMotion>
+                                  </p:childTnLst>
+                                </p:cTn>
+                              </p:par>
+                              <p:par>
+                                <p:cTn id="44" presetID="0" presetClass="path" presetSubtype="0" accel="50000" decel="50000" fill="hold" grpId="0" nodeType="withEffect">
+                                  <p:stCondLst>
+                                    <p:cond delay="0"/>
+                                  </p:stCondLst>
+                                  <p:childTnLst>
+                                    <p:animMotion origin="layout" path="M -2.29167E-6 -3.33333E-6 L 0.09193 0.0007 " pathEditMode="relative" rAng="0" ptsTypes="AA">
+                                      <p:cBhvr>
+                                        <p:cTn id="45" dur="1500" fill="hold"/>
+                                        <p:tgtEl>
+                                          <p:spTgt spid="8"/>
+                                        </p:tgtEl>
+                                        <p:attrNameLst>
+                                          <p:attrName>ppt_x</p:attrName>
+                                          <p:attrName>ppt_y</p:attrName>
+                                        </p:attrNameLst>
+                                      </p:cBhvr>
+                                      <p:rCtr x="4596" y="23"/>
+                                    </p:animMotion>
+                                  </p:childTnLst>
+                                </p:cTn>
+                              </p:par>
+                              <p:par>
+                                <p:cTn id="46" presetID="0" presetClass="path" presetSubtype="0" accel="50000" decel="50000" fill="hold" grpId="0" nodeType="withEffect">
+                                  <p:stCondLst>
+                                    <p:cond delay="0"/>
+                                  </p:stCondLst>
+                                  <p:childTnLst>
+                                    <p:animMotion origin="layout" path="M -2.08333E-6 1.48148E-6 L -0.09258 -0.00046 " pathEditMode="relative" rAng="0" ptsTypes="AA">
+                                      <p:cBhvr>
+                                        <p:cTn id="47" dur="1500" fill="hold"/>
+                                        <p:tgtEl>
+                                          <p:spTgt spid="10"/>
+                                        </p:tgtEl>
+                                        <p:attrNameLst>
+                                          <p:attrName>ppt_x</p:attrName>
+                                          <p:attrName>ppt_y</p:attrName>
+                                        </p:attrNameLst>
+                                      </p:cBhvr>
+                                      <p:rCtr x="-4635" y="-23"/>
+                                    </p:animMotion>
+                                  </p:childTnLst>
+                                </p:cTn>
+                              </p:par>
+                              <p:par>
+                                <p:cTn id="48" presetID="0" presetClass="path" presetSubtype="0" accel="50000" decel="50000" fill="hold" grpId="0" nodeType="withEffect">
+                                  <p:stCondLst>
+                                    <p:cond delay="0"/>
+                                  </p:stCondLst>
+                                  <p:childTnLst>
+                                    <p:animMotion origin="layout" path="M 4.79167E-6 4.81481E-6 L 0.09206 4.44444E-6 " pathEditMode="relative" rAng="0" ptsTypes="AA">
+                                      <p:cBhvr>
+                                        <p:cTn id="49" dur="1500" fill="hold"/>
+                                        <p:tgtEl>
+                                          <p:spTgt spid="9"/>
+                                        </p:tgtEl>
+                                        <p:attrNameLst>
+                                          <p:attrName>ppt_x</p:attrName>
+                                          <p:attrName>ppt_y</p:attrName>
+                                        </p:attrNameLst>
+                                      </p:cBhvr>
+                                      <p:rCtr x="4583" y="-231"/>
+                                    </p:animMotion>
+                                  </p:childTnLst>
+                                </p:cTn>
+                              </p:par>
+                            </p:childTnLst>
+                          </p:cTn>
+                        </p:par>
+                      </p:childTnLst>
+                    </p:cTn>
+                  </p:par>
+                </p:childTnLst>
+              </p:cTn>
+              <p:prevCondLst>
+                <p:cond evt="onPrev" delay="0">
+                  <p:tgtEl>
+                    <p:sldTgt/>
+                  </p:tgtEl>
+                </p:cond>
+              </p:prevCondLst>
+              <p:nextCondLst>
+                <p:cond evt="onNext" delay="0">
+                  <p:tgtEl>
+                    <p:sldTgt/>
+                  </p:tgtEl>
+                </p:cond>
+              </p:nextCondLst>
+            </p:seq>
+          </p:childTnLst>
+        </p:cTn>
+      </p:par>
+    </p:tnLst>
+    <p:bldLst>
+      <p:bldP spid="9" grpId="0" animBg="1"/>
+      <p:bldP spid="10" grpId="0" animBg="1"/>
+      <p:bldP spid="11" grpId="0" animBg="1"/>
+      <p:bldP spid="5" grpId="0" animBg="1"/>
+      <p:bldP spid="5" grpId="1" animBg="1"/>
+      <p:bldP spid="8" grpId="0" animBg="1"/>
+      <p:bldP spid="6" grpId="0" animBg="1"/>
+    </p:bldLst>
+  </p:timing>
 </p:sld>
 </file>
 
